--- a/Final_Presentation.pptx
+++ b/Final_Presentation.pptx
@@ -9,9 +9,12 @@
     <p:sldId id="257" r:id="rId3"/>
     <p:sldId id="258" r:id="rId4"/>
     <p:sldId id="259" r:id="rId5"/>
-    <p:sldId id="260" r:id="rId6"/>
-    <p:sldId id="261" r:id="rId7"/>
-    <p:sldId id="262" r:id="rId8"/>
+    <p:sldId id="263" r:id="rId6"/>
+    <p:sldId id="264" r:id="rId7"/>
+    <p:sldId id="260" r:id="rId8"/>
+    <p:sldId id="261" r:id="rId9"/>
+    <p:sldId id="262" r:id="rId10"/>
+    <p:sldId id="265" r:id="rId11"/>
   </p:sldIdLst>
   <p:sldSz cx="12192000" cy="6858000"/>
   <p:notesSz cx="6858000" cy="9144000"/>
@@ -110,7 +113,2688 @@
       </a:defRPr>
     </a:lvl9pPr>
   </p:defaultTextStyle>
+  <p:extLst>
+    <p:ext uri="{EFAFB233-063F-42B5-8137-9DF3F51BA10A}">
+      <p15:sldGuideLst xmlns:p15="http://schemas.microsoft.com/office/powerpoint/2012/main"/>
+    </p:ext>
+  </p:extLst>
 </p:presentation>
+</file>
+
+<file path=ppt/diagrams/colors1.xml><?xml version="1.0" encoding="utf-8"?>
+<dgm:colorsDef xmlns:dgm="http://schemas.openxmlformats.org/drawingml/2006/diagram" xmlns:a="http://schemas.openxmlformats.org/drawingml/2006/main" uniqueId="urn:microsoft.com/office/officeart/2005/8/colors/accent1_2">
+  <dgm:title val=""/>
+  <dgm:desc val=""/>
+  <dgm:catLst>
+    <dgm:cat type="accent1" pri="11200"/>
+  </dgm:catLst>
+  <dgm:styleLbl name="node0">
+    <dgm:fillClrLst meth="repeat">
+      <a:schemeClr val="accent1"/>
+    </dgm:fillClrLst>
+    <dgm:linClrLst meth="repeat">
+      <a:schemeClr val="lt1"/>
+    </dgm:linClrLst>
+    <dgm:effectClrLst/>
+    <dgm:txLinClrLst/>
+    <dgm:txFillClrLst/>
+    <dgm:txEffectClrLst/>
+  </dgm:styleLbl>
+  <dgm:styleLbl name="alignNode1">
+    <dgm:fillClrLst meth="repeat">
+      <a:schemeClr val="accent1"/>
+    </dgm:fillClrLst>
+    <dgm:linClrLst meth="repeat">
+      <a:schemeClr val="accent1"/>
+    </dgm:linClrLst>
+    <dgm:effectClrLst/>
+    <dgm:txLinClrLst/>
+    <dgm:txFillClrLst/>
+    <dgm:txEffectClrLst/>
+  </dgm:styleLbl>
+  <dgm:styleLbl name="node1">
+    <dgm:fillClrLst meth="repeat">
+      <a:schemeClr val="accent1"/>
+    </dgm:fillClrLst>
+    <dgm:linClrLst meth="repeat">
+      <a:schemeClr val="lt1"/>
+    </dgm:linClrLst>
+    <dgm:effectClrLst/>
+    <dgm:txLinClrLst/>
+    <dgm:txFillClrLst/>
+    <dgm:txEffectClrLst/>
+  </dgm:styleLbl>
+  <dgm:styleLbl name="lnNode1">
+    <dgm:fillClrLst meth="repeat">
+      <a:schemeClr val="accent1"/>
+    </dgm:fillClrLst>
+    <dgm:linClrLst meth="repeat">
+      <a:schemeClr val="lt1"/>
+    </dgm:linClrLst>
+    <dgm:effectClrLst/>
+    <dgm:txLinClrLst/>
+    <dgm:txFillClrLst/>
+    <dgm:txEffectClrLst/>
+  </dgm:styleLbl>
+  <dgm:styleLbl name="vennNode1">
+    <dgm:fillClrLst meth="repeat">
+      <a:schemeClr val="accent1">
+        <a:alpha val="50000"/>
+      </a:schemeClr>
+    </dgm:fillClrLst>
+    <dgm:linClrLst meth="repeat">
+      <a:schemeClr val="lt1"/>
+    </dgm:linClrLst>
+    <dgm:effectClrLst/>
+    <dgm:txLinClrLst/>
+    <dgm:txFillClrLst/>
+    <dgm:txEffectClrLst/>
+  </dgm:styleLbl>
+  <dgm:styleLbl name="node2">
+    <dgm:fillClrLst meth="repeat">
+      <a:schemeClr val="accent1"/>
+    </dgm:fillClrLst>
+    <dgm:linClrLst meth="repeat">
+      <a:schemeClr val="lt1"/>
+    </dgm:linClrLst>
+    <dgm:effectClrLst/>
+    <dgm:txLinClrLst/>
+    <dgm:txFillClrLst/>
+    <dgm:txEffectClrLst/>
+  </dgm:styleLbl>
+  <dgm:styleLbl name="node3">
+    <dgm:fillClrLst meth="repeat">
+      <a:schemeClr val="accent1"/>
+    </dgm:fillClrLst>
+    <dgm:linClrLst meth="repeat">
+      <a:schemeClr val="lt1"/>
+    </dgm:linClrLst>
+    <dgm:effectClrLst/>
+    <dgm:txLinClrLst/>
+    <dgm:txFillClrLst/>
+    <dgm:txEffectClrLst/>
+  </dgm:styleLbl>
+  <dgm:styleLbl name="node4">
+    <dgm:fillClrLst meth="repeat">
+      <a:schemeClr val="accent1"/>
+    </dgm:fillClrLst>
+    <dgm:linClrLst meth="repeat">
+      <a:schemeClr val="lt1"/>
+    </dgm:linClrLst>
+    <dgm:effectClrLst/>
+    <dgm:txLinClrLst/>
+    <dgm:txFillClrLst/>
+    <dgm:txEffectClrLst/>
+  </dgm:styleLbl>
+  <dgm:styleLbl name="fgImgPlace1">
+    <dgm:fillClrLst meth="repeat">
+      <a:schemeClr val="accent1">
+        <a:tint val="50000"/>
+      </a:schemeClr>
+    </dgm:fillClrLst>
+    <dgm:linClrLst meth="repeat">
+      <a:schemeClr val="lt1"/>
+    </dgm:linClrLst>
+    <dgm:effectClrLst/>
+    <dgm:txLinClrLst/>
+    <dgm:txFillClrLst meth="repeat">
+      <a:schemeClr val="lt1"/>
+    </dgm:txFillClrLst>
+    <dgm:txEffectClrLst/>
+  </dgm:styleLbl>
+  <dgm:styleLbl name="alignImgPlace1">
+    <dgm:fillClrLst meth="repeat">
+      <a:schemeClr val="accent1">
+        <a:tint val="50000"/>
+      </a:schemeClr>
+    </dgm:fillClrLst>
+    <dgm:linClrLst meth="repeat">
+      <a:schemeClr val="lt1"/>
+    </dgm:linClrLst>
+    <dgm:effectClrLst/>
+    <dgm:txLinClrLst/>
+    <dgm:txFillClrLst meth="repeat">
+      <a:schemeClr val="lt1"/>
+    </dgm:txFillClrLst>
+    <dgm:txEffectClrLst/>
+  </dgm:styleLbl>
+  <dgm:styleLbl name="bgImgPlace1">
+    <dgm:fillClrLst meth="repeat">
+      <a:schemeClr val="accent1">
+        <a:tint val="50000"/>
+      </a:schemeClr>
+    </dgm:fillClrLst>
+    <dgm:linClrLst meth="repeat">
+      <a:schemeClr val="lt1"/>
+    </dgm:linClrLst>
+    <dgm:effectClrLst/>
+    <dgm:txLinClrLst/>
+    <dgm:txFillClrLst meth="repeat">
+      <a:schemeClr val="lt1"/>
+    </dgm:txFillClrLst>
+    <dgm:txEffectClrLst/>
+  </dgm:styleLbl>
+  <dgm:styleLbl name="sibTrans2D1">
+    <dgm:fillClrLst meth="repeat">
+      <a:schemeClr val="accent1">
+        <a:tint val="60000"/>
+      </a:schemeClr>
+    </dgm:fillClrLst>
+    <dgm:linClrLst meth="repeat">
+      <a:schemeClr val="accent1">
+        <a:tint val="60000"/>
+      </a:schemeClr>
+    </dgm:linClrLst>
+    <dgm:effectClrLst/>
+    <dgm:txLinClrLst/>
+    <dgm:txFillClrLst/>
+    <dgm:txEffectClrLst/>
+  </dgm:styleLbl>
+  <dgm:styleLbl name="fgSibTrans2D1">
+    <dgm:fillClrLst meth="repeat">
+      <a:schemeClr val="accent1">
+        <a:tint val="60000"/>
+      </a:schemeClr>
+    </dgm:fillClrLst>
+    <dgm:linClrLst meth="repeat">
+      <a:schemeClr val="accent1">
+        <a:tint val="60000"/>
+      </a:schemeClr>
+    </dgm:linClrLst>
+    <dgm:effectClrLst/>
+    <dgm:txLinClrLst/>
+    <dgm:txFillClrLst/>
+    <dgm:txEffectClrLst/>
+  </dgm:styleLbl>
+  <dgm:styleLbl name="bgSibTrans2D1">
+    <dgm:fillClrLst meth="repeat">
+      <a:schemeClr val="accent1">
+        <a:tint val="60000"/>
+      </a:schemeClr>
+    </dgm:fillClrLst>
+    <dgm:linClrLst meth="repeat">
+      <a:schemeClr val="accent1">
+        <a:tint val="60000"/>
+      </a:schemeClr>
+    </dgm:linClrLst>
+    <dgm:effectClrLst/>
+    <dgm:txLinClrLst/>
+    <dgm:txFillClrLst/>
+    <dgm:txEffectClrLst/>
+  </dgm:styleLbl>
+  <dgm:styleLbl name="sibTrans1D1">
+    <dgm:fillClrLst meth="repeat">
+      <a:schemeClr val="accent1"/>
+    </dgm:fillClrLst>
+    <dgm:linClrLst meth="repeat">
+      <a:schemeClr val="accent1"/>
+    </dgm:linClrLst>
+    <dgm:effectClrLst/>
+    <dgm:txLinClrLst/>
+    <dgm:txFillClrLst meth="repeat">
+      <a:schemeClr val="tx1"/>
+    </dgm:txFillClrLst>
+    <dgm:txEffectClrLst/>
+  </dgm:styleLbl>
+  <dgm:styleLbl name="callout">
+    <dgm:fillClrLst meth="repeat">
+      <a:schemeClr val="accent1"/>
+    </dgm:fillClrLst>
+    <dgm:linClrLst meth="repeat">
+      <a:schemeClr val="accent1">
+        <a:tint val="50000"/>
+      </a:schemeClr>
+    </dgm:linClrLst>
+    <dgm:effectClrLst/>
+    <dgm:txLinClrLst/>
+    <dgm:txFillClrLst meth="repeat">
+      <a:schemeClr val="tx1"/>
+    </dgm:txFillClrLst>
+    <dgm:txEffectClrLst/>
+  </dgm:styleLbl>
+  <dgm:styleLbl name="asst0">
+    <dgm:fillClrLst meth="repeat">
+      <a:schemeClr val="accent1"/>
+    </dgm:fillClrLst>
+    <dgm:linClrLst meth="repeat">
+      <a:schemeClr val="lt1"/>
+    </dgm:linClrLst>
+    <dgm:effectClrLst/>
+    <dgm:txLinClrLst/>
+    <dgm:txFillClrLst/>
+    <dgm:txEffectClrLst/>
+  </dgm:styleLbl>
+  <dgm:styleLbl name="asst1">
+    <dgm:fillClrLst meth="repeat">
+      <a:schemeClr val="accent1"/>
+    </dgm:fillClrLst>
+    <dgm:linClrLst meth="repeat">
+      <a:schemeClr val="lt1"/>
+    </dgm:linClrLst>
+    <dgm:effectClrLst/>
+    <dgm:txLinClrLst/>
+    <dgm:txFillClrLst/>
+    <dgm:txEffectClrLst/>
+  </dgm:styleLbl>
+  <dgm:styleLbl name="asst2">
+    <dgm:fillClrLst meth="repeat">
+      <a:schemeClr val="accent1"/>
+    </dgm:fillClrLst>
+    <dgm:linClrLst meth="repeat">
+      <a:schemeClr val="lt1"/>
+    </dgm:linClrLst>
+    <dgm:effectClrLst/>
+    <dgm:txLinClrLst/>
+    <dgm:txFillClrLst/>
+    <dgm:txEffectClrLst/>
+  </dgm:styleLbl>
+  <dgm:styleLbl name="asst3">
+    <dgm:fillClrLst meth="repeat">
+      <a:schemeClr val="accent1"/>
+    </dgm:fillClrLst>
+    <dgm:linClrLst meth="repeat">
+      <a:schemeClr val="lt1"/>
+    </dgm:linClrLst>
+    <dgm:effectClrLst/>
+    <dgm:txLinClrLst/>
+    <dgm:txFillClrLst/>
+    <dgm:txEffectClrLst/>
+  </dgm:styleLbl>
+  <dgm:styleLbl name="asst4">
+    <dgm:fillClrLst meth="repeat">
+      <a:schemeClr val="accent1"/>
+    </dgm:fillClrLst>
+    <dgm:linClrLst meth="repeat">
+      <a:schemeClr val="lt1"/>
+    </dgm:linClrLst>
+    <dgm:effectClrLst/>
+    <dgm:txLinClrLst/>
+    <dgm:txFillClrLst/>
+    <dgm:txEffectClrLst/>
+  </dgm:styleLbl>
+  <dgm:styleLbl name="parChTrans2D1">
+    <dgm:fillClrLst meth="repeat">
+      <a:schemeClr val="accent1">
+        <a:tint val="60000"/>
+      </a:schemeClr>
+    </dgm:fillClrLst>
+    <dgm:linClrLst meth="repeat">
+      <a:schemeClr val="accent1">
+        <a:tint val="60000"/>
+      </a:schemeClr>
+    </dgm:linClrLst>
+    <dgm:effectClrLst/>
+    <dgm:txLinClrLst/>
+    <dgm:txFillClrLst meth="repeat">
+      <a:schemeClr val="lt1"/>
+    </dgm:txFillClrLst>
+    <dgm:txEffectClrLst/>
+  </dgm:styleLbl>
+  <dgm:styleLbl name="parChTrans2D2">
+    <dgm:fillClrLst meth="repeat">
+      <a:schemeClr val="accent1"/>
+    </dgm:fillClrLst>
+    <dgm:linClrLst meth="repeat">
+      <a:schemeClr val="accent1"/>
+    </dgm:linClrLst>
+    <dgm:effectClrLst/>
+    <dgm:txLinClrLst/>
+    <dgm:txFillClrLst meth="repeat">
+      <a:schemeClr val="lt1"/>
+    </dgm:txFillClrLst>
+    <dgm:txEffectClrLst/>
+  </dgm:styleLbl>
+  <dgm:styleLbl name="parChTrans2D3">
+    <dgm:fillClrLst meth="repeat">
+      <a:schemeClr val="accent1"/>
+    </dgm:fillClrLst>
+    <dgm:linClrLst meth="repeat">
+      <a:schemeClr val="accent1"/>
+    </dgm:linClrLst>
+    <dgm:effectClrLst/>
+    <dgm:txLinClrLst/>
+    <dgm:txFillClrLst meth="repeat">
+      <a:schemeClr val="lt1"/>
+    </dgm:txFillClrLst>
+    <dgm:txEffectClrLst/>
+  </dgm:styleLbl>
+  <dgm:styleLbl name="parChTrans2D4">
+    <dgm:fillClrLst meth="repeat">
+      <a:schemeClr val="accent1"/>
+    </dgm:fillClrLst>
+    <dgm:linClrLst meth="repeat">
+      <a:schemeClr val="accent1"/>
+    </dgm:linClrLst>
+    <dgm:effectClrLst/>
+    <dgm:txLinClrLst/>
+    <dgm:txFillClrLst meth="repeat">
+      <a:schemeClr val="lt1"/>
+    </dgm:txFillClrLst>
+    <dgm:txEffectClrLst/>
+  </dgm:styleLbl>
+  <dgm:styleLbl name="parChTrans1D1">
+    <dgm:fillClrLst meth="repeat">
+      <a:schemeClr val="accent1"/>
+    </dgm:fillClrLst>
+    <dgm:linClrLst meth="repeat">
+      <a:schemeClr val="accent1">
+        <a:shade val="60000"/>
+      </a:schemeClr>
+    </dgm:linClrLst>
+    <dgm:effectClrLst/>
+    <dgm:txLinClrLst/>
+    <dgm:txFillClrLst meth="repeat">
+      <a:schemeClr val="tx1"/>
+    </dgm:txFillClrLst>
+    <dgm:txEffectClrLst/>
+  </dgm:styleLbl>
+  <dgm:styleLbl name="parChTrans1D2">
+    <dgm:fillClrLst meth="repeat">
+      <a:schemeClr val="accent1"/>
+    </dgm:fillClrLst>
+    <dgm:linClrLst meth="repeat">
+      <a:schemeClr val="accent1">
+        <a:shade val="60000"/>
+      </a:schemeClr>
+    </dgm:linClrLst>
+    <dgm:effectClrLst/>
+    <dgm:txLinClrLst/>
+    <dgm:txFillClrLst meth="repeat">
+      <a:schemeClr val="tx1"/>
+    </dgm:txFillClrLst>
+    <dgm:txEffectClrLst/>
+  </dgm:styleLbl>
+  <dgm:styleLbl name="parChTrans1D3">
+    <dgm:fillClrLst meth="repeat">
+      <a:schemeClr val="accent1"/>
+    </dgm:fillClrLst>
+    <dgm:linClrLst meth="repeat">
+      <a:schemeClr val="accent1">
+        <a:shade val="80000"/>
+      </a:schemeClr>
+    </dgm:linClrLst>
+    <dgm:effectClrLst/>
+    <dgm:txLinClrLst/>
+    <dgm:txFillClrLst meth="repeat">
+      <a:schemeClr val="tx1"/>
+    </dgm:txFillClrLst>
+    <dgm:txEffectClrLst/>
+  </dgm:styleLbl>
+  <dgm:styleLbl name="parChTrans1D4">
+    <dgm:fillClrLst meth="repeat">
+      <a:schemeClr val="accent1"/>
+    </dgm:fillClrLst>
+    <dgm:linClrLst meth="repeat">
+      <a:schemeClr val="accent1">
+        <a:shade val="80000"/>
+      </a:schemeClr>
+    </dgm:linClrLst>
+    <dgm:effectClrLst/>
+    <dgm:txLinClrLst/>
+    <dgm:txFillClrLst meth="repeat">
+      <a:schemeClr val="tx1"/>
+    </dgm:txFillClrLst>
+    <dgm:txEffectClrLst/>
+  </dgm:styleLbl>
+  <dgm:styleLbl name="fgAcc1">
+    <dgm:fillClrLst meth="repeat">
+      <a:schemeClr val="lt1">
+        <a:alpha val="90000"/>
+      </a:schemeClr>
+    </dgm:fillClrLst>
+    <dgm:linClrLst meth="repeat">
+      <a:schemeClr val="accent1"/>
+    </dgm:linClrLst>
+    <dgm:effectClrLst/>
+    <dgm:txLinClrLst/>
+    <dgm:txFillClrLst meth="repeat">
+      <a:schemeClr val="dk1"/>
+    </dgm:txFillClrLst>
+    <dgm:txEffectClrLst/>
+  </dgm:styleLbl>
+  <dgm:styleLbl name="conFgAcc1">
+    <dgm:fillClrLst meth="repeat">
+      <a:schemeClr val="lt1">
+        <a:alpha val="90000"/>
+      </a:schemeClr>
+    </dgm:fillClrLst>
+    <dgm:linClrLst meth="repeat">
+      <a:schemeClr val="accent1"/>
+    </dgm:linClrLst>
+    <dgm:effectClrLst/>
+    <dgm:txLinClrLst/>
+    <dgm:txFillClrLst meth="repeat">
+      <a:schemeClr val="dk1"/>
+    </dgm:txFillClrLst>
+    <dgm:txEffectClrLst/>
+  </dgm:styleLbl>
+  <dgm:styleLbl name="alignAcc1">
+    <dgm:fillClrLst meth="repeat">
+      <a:schemeClr val="lt1">
+        <a:alpha val="90000"/>
+      </a:schemeClr>
+    </dgm:fillClrLst>
+    <dgm:linClrLst meth="repeat">
+      <a:schemeClr val="accent1"/>
+    </dgm:linClrLst>
+    <dgm:effectClrLst/>
+    <dgm:txLinClrLst/>
+    <dgm:txFillClrLst meth="repeat">
+      <a:schemeClr val="dk1"/>
+    </dgm:txFillClrLst>
+    <dgm:txEffectClrLst/>
+  </dgm:styleLbl>
+  <dgm:styleLbl name="trAlignAcc1">
+    <dgm:fillClrLst meth="repeat">
+      <a:schemeClr val="lt1">
+        <a:alpha val="40000"/>
+      </a:schemeClr>
+    </dgm:fillClrLst>
+    <dgm:linClrLst meth="repeat">
+      <a:schemeClr val="accent1"/>
+    </dgm:linClrLst>
+    <dgm:effectClrLst/>
+    <dgm:txLinClrLst/>
+    <dgm:txFillClrLst meth="repeat">
+      <a:schemeClr val="dk1"/>
+    </dgm:txFillClrLst>
+    <dgm:txEffectClrLst/>
+  </dgm:styleLbl>
+  <dgm:styleLbl name="bgAcc1">
+    <dgm:fillClrLst meth="repeat">
+      <a:schemeClr val="lt1">
+        <a:alpha val="90000"/>
+      </a:schemeClr>
+    </dgm:fillClrLst>
+    <dgm:linClrLst meth="repeat">
+      <a:schemeClr val="accent1"/>
+    </dgm:linClrLst>
+    <dgm:effectClrLst/>
+    <dgm:txLinClrLst/>
+    <dgm:txFillClrLst meth="repeat">
+      <a:schemeClr val="dk1"/>
+    </dgm:txFillClrLst>
+    <dgm:txEffectClrLst/>
+  </dgm:styleLbl>
+  <dgm:styleLbl name="solidFgAcc1">
+    <dgm:fillClrLst meth="repeat">
+      <a:schemeClr val="lt1"/>
+    </dgm:fillClrLst>
+    <dgm:linClrLst meth="repeat">
+      <a:schemeClr val="accent1"/>
+    </dgm:linClrLst>
+    <dgm:effectClrLst/>
+    <dgm:txLinClrLst/>
+    <dgm:txFillClrLst meth="repeat">
+      <a:schemeClr val="dk1"/>
+    </dgm:txFillClrLst>
+    <dgm:txEffectClrLst/>
+  </dgm:styleLbl>
+  <dgm:styleLbl name="solidAlignAcc1">
+    <dgm:fillClrLst meth="repeat">
+      <a:schemeClr val="lt1"/>
+    </dgm:fillClrLst>
+    <dgm:linClrLst meth="repeat">
+      <a:schemeClr val="accent1"/>
+    </dgm:linClrLst>
+    <dgm:effectClrLst/>
+    <dgm:txLinClrLst/>
+    <dgm:txFillClrLst meth="repeat">
+      <a:schemeClr val="dk1"/>
+    </dgm:txFillClrLst>
+    <dgm:txEffectClrLst/>
+  </dgm:styleLbl>
+  <dgm:styleLbl name="solidBgAcc1">
+    <dgm:fillClrLst meth="repeat">
+      <a:schemeClr val="lt1"/>
+    </dgm:fillClrLst>
+    <dgm:linClrLst meth="repeat">
+      <a:schemeClr val="accent1"/>
+    </dgm:linClrLst>
+    <dgm:effectClrLst/>
+    <dgm:txLinClrLst/>
+    <dgm:txFillClrLst meth="repeat">
+      <a:schemeClr val="dk1"/>
+    </dgm:txFillClrLst>
+    <dgm:txEffectClrLst/>
+  </dgm:styleLbl>
+  <dgm:styleLbl name="fgAccFollowNode1">
+    <dgm:fillClrLst meth="repeat">
+      <a:schemeClr val="accent1">
+        <a:alpha val="90000"/>
+        <a:tint val="40000"/>
+      </a:schemeClr>
+    </dgm:fillClrLst>
+    <dgm:linClrLst meth="repeat">
+      <a:schemeClr val="accent1">
+        <a:alpha val="90000"/>
+        <a:tint val="40000"/>
+      </a:schemeClr>
+    </dgm:linClrLst>
+    <dgm:effectClrLst/>
+    <dgm:txLinClrLst/>
+    <dgm:txFillClrLst meth="repeat">
+      <a:schemeClr val="dk1"/>
+    </dgm:txFillClrLst>
+    <dgm:txEffectClrLst/>
+  </dgm:styleLbl>
+  <dgm:styleLbl name="alignAccFollowNode1">
+    <dgm:fillClrLst meth="repeat">
+      <a:schemeClr val="accent1">
+        <a:alpha val="90000"/>
+        <a:tint val="40000"/>
+      </a:schemeClr>
+    </dgm:fillClrLst>
+    <dgm:linClrLst meth="repeat">
+      <a:schemeClr val="accent1">
+        <a:alpha val="90000"/>
+        <a:tint val="40000"/>
+      </a:schemeClr>
+    </dgm:linClrLst>
+    <dgm:effectClrLst/>
+    <dgm:txLinClrLst/>
+    <dgm:txFillClrLst meth="repeat">
+      <a:schemeClr val="dk1"/>
+    </dgm:txFillClrLst>
+    <dgm:txEffectClrLst/>
+  </dgm:styleLbl>
+  <dgm:styleLbl name="bgAccFollowNode1">
+    <dgm:fillClrLst meth="repeat">
+      <a:schemeClr val="accent1">
+        <a:alpha val="90000"/>
+        <a:tint val="40000"/>
+      </a:schemeClr>
+    </dgm:fillClrLst>
+    <dgm:linClrLst meth="repeat">
+      <a:schemeClr val="accent1">
+        <a:alpha val="90000"/>
+        <a:tint val="40000"/>
+      </a:schemeClr>
+    </dgm:linClrLst>
+    <dgm:effectClrLst/>
+    <dgm:txLinClrLst/>
+    <dgm:txFillClrLst meth="repeat">
+      <a:schemeClr val="dk1"/>
+    </dgm:txFillClrLst>
+    <dgm:txEffectClrLst/>
+  </dgm:styleLbl>
+  <dgm:styleLbl name="fgAcc0">
+    <dgm:fillClrLst meth="repeat">
+      <a:schemeClr val="lt1">
+        <a:alpha val="90000"/>
+      </a:schemeClr>
+    </dgm:fillClrLst>
+    <dgm:linClrLst meth="repeat">
+      <a:schemeClr val="accent1"/>
+    </dgm:linClrLst>
+    <dgm:effectClrLst/>
+    <dgm:txLinClrLst/>
+    <dgm:txFillClrLst meth="repeat">
+      <a:schemeClr val="dk1"/>
+    </dgm:txFillClrLst>
+    <dgm:txEffectClrLst/>
+  </dgm:styleLbl>
+  <dgm:styleLbl name="fgAcc2">
+    <dgm:fillClrLst meth="repeat">
+      <a:schemeClr val="lt1">
+        <a:alpha val="90000"/>
+      </a:schemeClr>
+    </dgm:fillClrLst>
+    <dgm:linClrLst meth="repeat">
+      <a:schemeClr val="accent1"/>
+    </dgm:linClrLst>
+    <dgm:effectClrLst/>
+    <dgm:txLinClrLst/>
+    <dgm:txFillClrLst meth="repeat">
+      <a:schemeClr val="dk1"/>
+    </dgm:txFillClrLst>
+    <dgm:txEffectClrLst/>
+  </dgm:styleLbl>
+  <dgm:styleLbl name="fgAcc3">
+    <dgm:fillClrLst meth="repeat">
+      <a:schemeClr val="lt1">
+        <a:alpha val="90000"/>
+      </a:schemeClr>
+    </dgm:fillClrLst>
+    <dgm:linClrLst meth="repeat">
+      <a:schemeClr val="accent1"/>
+    </dgm:linClrLst>
+    <dgm:effectClrLst/>
+    <dgm:txLinClrLst/>
+    <dgm:txFillClrLst meth="repeat">
+      <a:schemeClr val="dk1"/>
+    </dgm:txFillClrLst>
+    <dgm:txEffectClrLst/>
+  </dgm:styleLbl>
+  <dgm:styleLbl name="fgAcc4">
+    <dgm:fillClrLst meth="repeat">
+      <a:schemeClr val="lt1">
+        <a:alpha val="90000"/>
+      </a:schemeClr>
+    </dgm:fillClrLst>
+    <dgm:linClrLst meth="repeat">
+      <a:schemeClr val="accent1"/>
+    </dgm:linClrLst>
+    <dgm:effectClrLst/>
+    <dgm:txLinClrLst/>
+    <dgm:txFillClrLst meth="repeat">
+      <a:schemeClr val="dk1"/>
+    </dgm:txFillClrLst>
+    <dgm:txEffectClrLst/>
+  </dgm:styleLbl>
+  <dgm:styleLbl name="bgShp">
+    <dgm:fillClrLst meth="repeat">
+      <a:schemeClr val="accent1">
+        <a:tint val="40000"/>
+      </a:schemeClr>
+    </dgm:fillClrLst>
+    <dgm:linClrLst meth="repeat">
+      <a:schemeClr val="accent1"/>
+    </dgm:linClrLst>
+    <dgm:effectClrLst/>
+    <dgm:txLinClrLst/>
+    <dgm:txFillClrLst meth="repeat">
+      <a:schemeClr val="dk1"/>
+    </dgm:txFillClrLst>
+    <dgm:txEffectClrLst/>
+  </dgm:styleLbl>
+  <dgm:styleLbl name="dkBgShp">
+    <dgm:fillClrLst meth="repeat">
+      <a:schemeClr val="accent1">
+        <a:shade val="80000"/>
+      </a:schemeClr>
+    </dgm:fillClrLst>
+    <dgm:linClrLst meth="repeat">
+      <a:schemeClr val="accent1"/>
+    </dgm:linClrLst>
+    <dgm:effectClrLst/>
+    <dgm:txLinClrLst/>
+    <dgm:txFillClrLst meth="repeat">
+      <a:schemeClr val="lt1"/>
+    </dgm:txFillClrLst>
+    <dgm:txEffectClrLst/>
+  </dgm:styleLbl>
+  <dgm:styleLbl name="trBgShp">
+    <dgm:fillClrLst meth="repeat">
+      <a:schemeClr val="accent1">
+        <a:tint val="50000"/>
+        <a:alpha val="40000"/>
+      </a:schemeClr>
+    </dgm:fillClrLst>
+    <dgm:linClrLst meth="repeat">
+      <a:schemeClr val="accent1"/>
+    </dgm:linClrLst>
+    <dgm:effectClrLst/>
+    <dgm:txLinClrLst/>
+    <dgm:txFillClrLst meth="repeat">
+      <a:schemeClr val="lt1"/>
+    </dgm:txFillClrLst>
+    <dgm:txEffectClrLst/>
+  </dgm:styleLbl>
+  <dgm:styleLbl name="fgShp">
+    <dgm:fillClrLst meth="repeat">
+      <a:schemeClr val="accent1">
+        <a:tint val="60000"/>
+      </a:schemeClr>
+    </dgm:fillClrLst>
+    <dgm:linClrLst meth="repeat">
+      <a:schemeClr val="lt1"/>
+    </dgm:linClrLst>
+    <dgm:effectClrLst/>
+    <dgm:txLinClrLst/>
+    <dgm:txFillClrLst meth="repeat">
+      <a:schemeClr val="dk1"/>
+    </dgm:txFillClrLst>
+    <dgm:txEffectClrLst/>
+  </dgm:styleLbl>
+  <dgm:styleLbl name="revTx">
+    <dgm:fillClrLst meth="repeat">
+      <a:schemeClr val="lt1">
+        <a:alpha val="0"/>
+      </a:schemeClr>
+    </dgm:fillClrLst>
+    <dgm:linClrLst meth="repeat">
+      <a:schemeClr val="dk1">
+        <a:alpha val="0"/>
+      </a:schemeClr>
+    </dgm:linClrLst>
+    <dgm:effectClrLst/>
+    <dgm:txLinClrLst/>
+    <dgm:txFillClrLst meth="repeat">
+      <a:schemeClr val="tx1"/>
+    </dgm:txFillClrLst>
+    <dgm:txEffectClrLst/>
+  </dgm:styleLbl>
+</dgm:colorsDef>
+</file>
+
+<file path=ppt/diagrams/data1.xml><?xml version="1.0" encoding="utf-8"?>
+<dgm:dataModel xmlns:dgm="http://schemas.openxmlformats.org/drawingml/2006/diagram" xmlns:a="http://schemas.openxmlformats.org/drawingml/2006/main">
+  <dgm:ptLst>
+    <dgm:pt modelId="{288A8394-07F2-4439-B62C-B0520CA1CF54}" type="doc">
+      <dgm:prSet loTypeId="urn:microsoft.com/office/officeart/2005/8/layout/cycle2" loCatId="cycle" qsTypeId="urn:microsoft.com/office/officeart/2005/8/quickstyle/simple2" qsCatId="simple" csTypeId="urn:microsoft.com/office/officeart/2005/8/colors/accent1_2" csCatId="accent1" phldr="1"/>
+      <dgm:spPr/>
+      <dgm:t>
+        <a:bodyPr/>
+        <a:lstStyle/>
+        <a:p>
+          <a:endParaRPr lang="en-US"/>
+        </a:p>
+      </dgm:t>
+    </dgm:pt>
+    <dgm:pt modelId="{4A461211-3D07-4465-806D-10BB0E4FE9E8}">
+      <dgm:prSet phldrT="[Text]"/>
+      <dgm:spPr/>
+      <dgm:t>
+        <a:bodyPr/>
+        <a:lstStyle/>
+        <a:p>
+          <a:r>
+            <a:rPr lang="en-US" dirty="0" smtClean="0"/>
+            <a:t>Mutation Algorithm</a:t>
+          </a:r>
+          <a:endParaRPr lang="en-US" dirty="0"/>
+        </a:p>
+      </dgm:t>
+    </dgm:pt>
+    <dgm:pt modelId="{29B6831D-C8C4-4DA6-8EC0-12CBC7D38745}" type="parTrans" cxnId="{AA077995-E25F-4F2E-9497-38954BF0E983}">
+      <dgm:prSet/>
+      <dgm:spPr/>
+      <dgm:t>
+        <a:bodyPr/>
+        <a:lstStyle/>
+        <a:p>
+          <a:endParaRPr lang="en-US"/>
+        </a:p>
+      </dgm:t>
+    </dgm:pt>
+    <dgm:pt modelId="{B8EF0B21-4E9C-47F0-8092-A53E5EA4A498}" type="sibTrans" cxnId="{AA077995-E25F-4F2E-9497-38954BF0E983}">
+      <dgm:prSet/>
+      <dgm:spPr/>
+      <dgm:t>
+        <a:bodyPr/>
+        <a:lstStyle/>
+        <a:p>
+          <a:endParaRPr lang="en-US"/>
+        </a:p>
+      </dgm:t>
+    </dgm:pt>
+    <dgm:pt modelId="{A6C8C660-2756-44AC-A688-E114B04B68BF}">
+      <dgm:prSet phldrT="[Text]"/>
+      <dgm:spPr/>
+      <dgm:t>
+        <a:bodyPr/>
+        <a:lstStyle/>
+        <a:p>
+          <a:r>
+            <a:rPr lang="en-US" dirty="0" smtClean="0"/>
+            <a:t>Decrypt</a:t>
+          </a:r>
+          <a:endParaRPr lang="en-US" dirty="0"/>
+        </a:p>
+      </dgm:t>
+    </dgm:pt>
+    <dgm:pt modelId="{9649CFF6-423F-4509-8C75-6280BDE3A727}" type="parTrans" cxnId="{66E3FA65-7B5F-4EA1-BA7E-00FD3CDAEA1F}">
+      <dgm:prSet/>
+      <dgm:spPr/>
+      <dgm:t>
+        <a:bodyPr/>
+        <a:lstStyle/>
+        <a:p>
+          <a:endParaRPr lang="en-US"/>
+        </a:p>
+      </dgm:t>
+    </dgm:pt>
+    <dgm:pt modelId="{06660E28-B043-4878-A6B4-4BE99C846822}" type="sibTrans" cxnId="{66E3FA65-7B5F-4EA1-BA7E-00FD3CDAEA1F}">
+      <dgm:prSet/>
+      <dgm:spPr/>
+      <dgm:t>
+        <a:bodyPr/>
+        <a:lstStyle/>
+        <a:p>
+          <a:endParaRPr lang="en-US"/>
+        </a:p>
+      </dgm:t>
+    </dgm:pt>
+    <dgm:pt modelId="{D9B26122-41E5-48D0-B65D-377F5873D9D0}">
+      <dgm:prSet phldrT="[Text]"/>
+      <dgm:spPr/>
+      <dgm:t>
+        <a:bodyPr/>
+        <a:lstStyle/>
+        <a:p>
+          <a:r>
+            <a:rPr lang="en-US" dirty="0" smtClean="0"/>
+            <a:t>Analysis</a:t>
+          </a:r>
+          <a:endParaRPr lang="en-US" dirty="0"/>
+        </a:p>
+      </dgm:t>
+    </dgm:pt>
+    <dgm:pt modelId="{974C2D9B-C72A-453E-8CF7-3CD39ED6224F}" type="parTrans" cxnId="{FDEC93DE-6712-457D-AB1E-34B01B12073E}">
+      <dgm:prSet/>
+      <dgm:spPr/>
+      <dgm:t>
+        <a:bodyPr/>
+        <a:lstStyle/>
+        <a:p>
+          <a:endParaRPr lang="en-US"/>
+        </a:p>
+      </dgm:t>
+    </dgm:pt>
+    <dgm:pt modelId="{DDBD3D8C-6AE5-47AB-B86C-FC72225AC040}" type="sibTrans" cxnId="{FDEC93DE-6712-457D-AB1E-34B01B12073E}">
+      <dgm:prSet/>
+      <dgm:spPr/>
+      <dgm:t>
+        <a:bodyPr/>
+        <a:lstStyle/>
+        <a:p>
+          <a:endParaRPr lang="en-US"/>
+        </a:p>
+      </dgm:t>
+    </dgm:pt>
+    <dgm:pt modelId="{5D1E7FDD-69EA-4697-A9EF-5752EEC07F7F}" type="pres">
+      <dgm:prSet presAssocID="{288A8394-07F2-4439-B62C-B0520CA1CF54}" presName="cycle" presStyleCnt="0">
+        <dgm:presLayoutVars>
+          <dgm:dir/>
+          <dgm:resizeHandles val="exact"/>
+        </dgm:presLayoutVars>
+      </dgm:prSet>
+      <dgm:spPr/>
+    </dgm:pt>
+    <dgm:pt modelId="{079CEEB1-01A1-4A77-B6E1-EA4790FDA235}" type="pres">
+      <dgm:prSet presAssocID="{4A461211-3D07-4465-806D-10BB0E4FE9E8}" presName="node" presStyleLbl="node1" presStyleIdx="0" presStyleCnt="3" custRadScaleRad="101303" custRadScaleInc="541">
+        <dgm:presLayoutVars>
+          <dgm:bulletEnabled val="1"/>
+        </dgm:presLayoutVars>
+      </dgm:prSet>
+      <dgm:spPr/>
+      <dgm:t>
+        <a:bodyPr/>
+        <a:lstStyle/>
+        <a:p>
+          <a:endParaRPr lang="en-US"/>
+        </a:p>
+      </dgm:t>
+    </dgm:pt>
+    <dgm:pt modelId="{B4879E9B-36F3-4AEA-90BF-9D3C10E3A788}" type="pres">
+      <dgm:prSet presAssocID="{B8EF0B21-4E9C-47F0-8092-A53E5EA4A498}" presName="sibTrans" presStyleLbl="sibTrans2D1" presStyleIdx="0" presStyleCnt="3"/>
+      <dgm:spPr/>
+    </dgm:pt>
+    <dgm:pt modelId="{BD98F67B-DEC7-40CC-99F4-74040632297F}" type="pres">
+      <dgm:prSet presAssocID="{B8EF0B21-4E9C-47F0-8092-A53E5EA4A498}" presName="connectorText" presStyleLbl="sibTrans2D1" presStyleIdx="0" presStyleCnt="3"/>
+      <dgm:spPr/>
+    </dgm:pt>
+    <dgm:pt modelId="{E0D70061-08EA-4537-9EDA-F6850A0C474F}" type="pres">
+      <dgm:prSet presAssocID="{A6C8C660-2756-44AC-A688-E114B04B68BF}" presName="node" presStyleLbl="node1" presStyleIdx="1" presStyleCnt="3">
+        <dgm:presLayoutVars>
+          <dgm:bulletEnabled val="1"/>
+        </dgm:presLayoutVars>
+      </dgm:prSet>
+      <dgm:spPr/>
+    </dgm:pt>
+    <dgm:pt modelId="{19868D4B-2179-4E67-932C-6EA567EBC97C}" type="pres">
+      <dgm:prSet presAssocID="{06660E28-B043-4878-A6B4-4BE99C846822}" presName="sibTrans" presStyleLbl="sibTrans2D1" presStyleIdx="1" presStyleCnt="3"/>
+      <dgm:spPr/>
+    </dgm:pt>
+    <dgm:pt modelId="{46B826E3-26F2-4405-AB73-6D87C6801704}" type="pres">
+      <dgm:prSet presAssocID="{06660E28-B043-4878-A6B4-4BE99C846822}" presName="connectorText" presStyleLbl="sibTrans2D1" presStyleIdx="1" presStyleCnt="3"/>
+      <dgm:spPr/>
+    </dgm:pt>
+    <dgm:pt modelId="{48F20608-A56C-4AAE-93EC-C6968C34FA44}" type="pres">
+      <dgm:prSet presAssocID="{D9B26122-41E5-48D0-B65D-377F5873D9D0}" presName="node" presStyleLbl="node1" presStyleIdx="2" presStyleCnt="3">
+        <dgm:presLayoutVars>
+          <dgm:bulletEnabled val="1"/>
+        </dgm:presLayoutVars>
+      </dgm:prSet>
+      <dgm:spPr/>
+      <dgm:t>
+        <a:bodyPr/>
+        <a:lstStyle/>
+        <a:p>
+          <a:endParaRPr lang="en-US"/>
+        </a:p>
+      </dgm:t>
+    </dgm:pt>
+    <dgm:pt modelId="{665AA246-8A7D-40A3-9206-7BE43F7DD10B}" type="pres">
+      <dgm:prSet presAssocID="{DDBD3D8C-6AE5-47AB-B86C-FC72225AC040}" presName="sibTrans" presStyleLbl="sibTrans2D1" presStyleIdx="2" presStyleCnt="3"/>
+      <dgm:spPr/>
+    </dgm:pt>
+    <dgm:pt modelId="{00084EE1-73FA-4357-8434-5E53D963C1F1}" type="pres">
+      <dgm:prSet presAssocID="{DDBD3D8C-6AE5-47AB-B86C-FC72225AC040}" presName="connectorText" presStyleLbl="sibTrans2D1" presStyleIdx="2" presStyleCnt="3"/>
+      <dgm:spPr/>
+    </dgm:pt>
+  </dgm:ptLst>
+  <dgm:cxnLst>
+    <dgm:cxn modelId="{15B779C5-2A4E-4CBE-8283-3EF2564DBA10}" type="presOf" srcId="{D9B26122-41E5-48D0-B65D-377F5873D9D0}" destId="{48F20608-A56C-4AAE-93EC-C6968C34FA44}" srcOrd="0" destOrd="0" presId="urn:microsoft.com/office/officeart/2005/8/layout/cycle2"/>
+    <dgm:cxn modelId="{FDEC93DE-6712-457D-AB1E-34B01B12073E}" srcId="{288A8394-07F2-4439-B62C-B0520CA1CF54}" destId="{D9B26122-41E5-48D0-B65D-377F5873D9D0}" srcOrd="2" destOrd="0" parTransId="{974C2D9B-C72A-453E-8CF7-3CD39ED6224F}" sibTransId="{DDBD3D8C-6AE5-47AB-B86C-FC72225AC040}"/>
+    <dgm:cxn modelId="{11379BEF-C642-4B69-8DF8-0EA8549308A8}" type="presOf" srcId="{B8EF0B21-4E9C-47F0-8092-A53E5EA4A498}" destId="{BD98F67B-DEC7-40CC-99F4-74040632297F}" srcOrd="1" destOrd="0" presId="urn:microsoft.com/office/officeart/2005/8/layout/cycle2"/>
+    <dgm:cxn modelId="{C9C67EDF-C6AB-45AE-BEC2-B3DDB68074A9}" type="presOf" srcId="{06660E28-B043-4878-A6B4-4BE99C846822}" destId="{19868D4B-2179-4E67-932C-6EA567EBC97C}" srcOrd="0" destOrd="0" presId="urn:microsoft.com/office/officeart/2005/8/layout/cycle2"/>
+    <dgm:cxn modelId="{57968A56-0C28-4D7E-A159-E4224FEEC00C}" type="presOf" srcId="{288A8394-07F2-4439-B62C-B0520CA1CF54}" destId="{5D1E7FDD-69EA-4697-A9EF-5752EEC07F7F}" srcOrd="0" destOrd="0" presId="urn:microsoft.com/office/officeart/2005/8/layout/cycle2"/>
+    <dgm:cxn modelId="{A5B9144F-79E5-4229-A5A6-495E63626521}" type="presOf" srcId="{DDBD3D8C-6AE5-47AB-B86C-FC72225AC040}" destId="{665AA246-8A7D-40A3-9206-7BE43F7DD10B}" srcOrd="0" destOrd="0" presId="urn:microsoft.com/office/officeart/2005/8/layout/cycle2"/>
+    <dgm:cxn modelId="{A4B114BF-476E-40FD-809A-FB5CD9310FCB}" type="presOf" srcId="{4A461211-3D07-4465-806D-10BB0E4FE9E8}" destId="{079CEEB1-01A1-4A77-B6E1-EA4790FDA235}" srcOrd="0" destOrd="0" presId="urn:microsoft.com/office/officeart/2005/8/layout/cycle2"/>
+    <dgm:cxn modelId="{AB75984C-067D-4FB1-90B0-340DBDF25985}" type="presOf" srcId="{A6C8C660-2756-44AC-A688-E114B04B68BF}" destId="{E0D70061-08EA-4537-9EDA-F6850A0C474F}" srcOrd="0" destOrd="0" presId="urn:microsoft.com/office/officeart/2005/8/layout/cycle2"/>
+    <dgm:cxn modelId="{1E98570F-6267-449C-AA35-B7B5C6DA0A6D}" type="presOf" srcId="{B8EF0B21-4E9C-47F0-8092-A53E5EA4A498}" destId="{B4879E9B-36F3-4AEA-90BF-9D3C10E3A788}" srcOrd="0" destOrd="0" presId="urn:microsoft.com/office/officeart/2005/8/layout/cycle2"/>
+    <dgm:cxn modelId="{AA077995-E25F-4F2E-9497-38954BF0E983}" srcId="{288A8394-07F2-4439-B62C-B0520CA1CF54}" destId="{4A461211-3D07-4465-806D-10BB0E4FE9E8}" srcOrd="0" destOrd="0" parTransId="{29B6831D-C8C4-4DA6-8EC0-12CBC7D38745}" sibTransId="{B8EF0B21-4E9C-47F0-8092-A53E5EA4A498}"/>
+    <dgm:cxn modelId="{66E3FA65-7B5F-4EA1-BA7E-00FD3CDAEA1F}" srcId="{288A8394-07F2-4439-B62C-B0520CA1CF54}" destId="{A6C8C660-2756-44AC-A688-E114B04B68BF}" srcOrd="1" destOrd="0" parTransId="{9649CFF6-423F-4509-8C75-6280BDE3A727}" sibTransId="{06660E28-B043-4878-A6B4-4BE99C846822}"/>
+    <dgm:cxn modelId="{11E91086-AE5D-43F4-808D-F61E2CAE47A9}" type="presOf" srcId="{DDBD3D8C-6AE5-47AB-B86C-FC72225AC040}" destId="{00084EE1-73FA-4357-8434-5E53D963C1F1}" srcOrd="1" destOrd="0" presId="urn:microsoft.com/office/officeart/2005/8/layout/cycle2"/>
+    <dgm:cxn modelId="{2EB2F63A-F98F-408C-B4E9-4DDDBA7C406C}" type="presOf" srcId="{06660E28-B043-4878-A6B4-4BE99C846822}" destId="{46B826E3-26F2-4405-AB73-6D87C6801704}" srcOrd="1" destOrd="0" presId="urn:microsoft.com/office/officeart/2005/8/layout/cycle2"/>
+    <dgm:cxn modelId="{AAA937C6-A751-474E-9F10-68EA59ACE7C7}" type="presParOf" srcId="{5D1E7FDD-69EA-4697-A9EF-5752EEC07F7F}" destId="{079CEEB1-01A1-4A77-B6E1-EA4790FDA235}" srcOrd="0" destOrd="0" presId="urn:microsoft.com/office/officeart/2005/8/layout/cycle2"/>
+    <dgm:cxn modelId="{CEF21808-463B-4C53-98F3-1676CF14DEF4}" type="presParOf" srcId="{5D1E7FDD-69EA-4697-A9EF-5752EEC07F7F}" destId="{B4879E9B-36F3-4AEA-90BF-9D3C10E3A788}" srcOrd="1" destOrd="0" presId="urn:microsoft.com/office/officeart/2005/8/layout/cycle2"/>
+    <dgm:cxn modelId="{AC4682FF-6682-41F9-8E54-077310962880}" type="presParOf" srcId="{B4879E9B-36F3-4AEA-90BF-9D3C10E3A788}" destId="{BD98F67B-DEC7-40CC-99F4-74040632297F}" srcOrd="0" destOrd="0" presId="urn:microsoft.com/office/officeart/2005/8/layout/cycle2"/>
+    <dgm:cxn modelId="{77E64BD6-57C8-4407-811D-C0821B9716FD}" type="presParOf" srcId="{5D1E7FDD-69EA-4697-A9EF-5752EEC07F7F}" destId="{E0D70061-08EA-4537-9EDA-F6850A0C474F}" srcOrd="2" destOrd="0" presId="urn:microsoft.com/office/officeart/2005/8/layout/cycle2"/>
+    <dgm:cxn modelId="{30BFB286-BA55-47A3-B88F-883C18737F23}" type="presParOf" srcId="{5D1E7FDD-69EA-4697-A9EF-5752EEC07F7F}" destId="{19868D4B-2179-4E67-932C-6EA567EBC97C}" srcOrd="3" destOrd="0" presId="urn:microsoft.com/office/officeart/2005/8/layout/cycle2"/>
+    <dgm:cxn modelId="{CA7B317A-72B3-4606-BA8C-E2E192D9F651}" type="presParOf" srcId="{19868D4B-2179-4E67-932C-6EA567EBC97C}" destId="{46B826E3-26F2-4405-AB73-6D87C6801704}" srcOrd="0" destOrd="0" presId="urn:microsoft.com/office/officeart/2005/8/layout/cycle2"/>
+    <dgm:cxn modelId="{460DC70B-C5B4-4755-8BA0-3E9C1C62133D}" type="presParOf" srcId="{5D1E7FDD-69EA-4697-A9EF-5752EEC07F7F}" destId="{48F20608-A56C-4AAE-93EC-C6968C34FA44}" srcOrd="4" destOrd="0" presId="urn:microsoft.com/office/officeart/2005/8/layout/cycle2"/>
+    <dgm:cxn modelId="{534C37C1-D47B-4F7A-8ED1-0DA0AF989A00}" type="presParOf" srcId="{5D1E7FDD-69EA-4697-A9EF-5752EEC07F7F}" destId="{665AA246-8A7D-40A3-9206-7BE43F7DD10B}" srcOrd="5" destOrd="0" presId="urn:microsoft.com/office/officeart/2005/8/layout/cycle2"/>
+    <dgm:cxn modelId="{78D8CDF4-9525-4DD4-8CE0-AC274B151598}" type="presParOf" srcId="{665AA246-8A7D-40A3-9206-7BE43F7DD10B}" destId="{00084EE1-73FA-4357-8434-5E53D963C1F1}" srcOrd="0" destOrd="0" presId="urn:microsoft.com/office/officeart/2005/8/layout/cycle2"/>
+  </dgm:cxnLst>
+  <dgm:bg/>
+  <dgm:whole/>
+  <dgm:extLst>
+    <a:ext uri="http://schemas.microsoft.com/office/drawing/2008/diagram">
+      <dsp:dataModelExt xmlns:dsp="http://schemas.microsoft.com/office/drawing/2008/diagram" relId="rId6" minVer="http://schemas.openxmlformats.org/drawingml/2006/diagram"/>
+    </a:ext>
+  </dgm:extLst>
+</dgm:dataModel>
+</file>
+
+<file path=ppt/diagrams/drawing1.xml><?xml version="1.0" encoding="utf-8"?>
+<dsp:drawing xmlns:dgm="http://schemas.openxmlformats.org/drawingml/2006/diagram" xmlns:dsp="http://schemas.microsoft.com/office/drawing/2008/diagram" xmlns:a="http://schemas.openxmlformats.org/drawingml/2006/main">
+  <dsp:spTree>
+    <dsp:nvGrpSpPr>
+      <dsp:cNvPr id="0" name=""/>
+      <dsp:cNvGrpSpPr/>
+    </dsp:nvGrpSpPr>
+    <dsp:grpSpPr/>
+    <dsp:sp modelId="{079CEEB1-01A1-4A77-B6E1-EA4790FDA235}">
+      <dsp:nvSpPr>
+        <dsp:cNvPr id="0" name=""/>
+        <dsp:cNvSpPr/>
+      </dsp:nvSpPr>
+      <dsp:spPr>
+        <a:xfrm>
+          <a:off x="2092706" y="0"/>
+          <a:ext cx="1698910" cy="1698910"/>
+        </a:xfrm>
+        <a:prstGeom prst="ellipse">
+          <a:avLst/>
+        </a:prstGeom>
+        <a:solidFill>
+          <a:schemeClr val="accent1">
+            <a:hueOff val="0"/>
+            <a:satOff val="0"/>
+            <a:lumOff val="0"/>
+            <a:alphaOff val="0"/>
+          </a:schemeClr>
+        </a:solidFill>
+        <a:ln w="19050" cap="flat" cmpd="sng" algn="ctr">
+          <a:solidFill>
+            <a:schemeClr val="lt1">
+              <a:hueOff val="0"/>
+              <a:satOff val="0"/>
+              <a:lumOff val="0"/>
+              <a:alphaOff val="0"/>
+            </a:schemeClr>
+          </a:solidFill>
+          <a:prstDash val="solid"/>
+          <a:miter lim="800000"/>
+        </a:ln>
+        <a:effectLst/>
+      </dsp:spPr>
+      <dsp:style>
+        <a:lnRef idx="3">
+          <a:scrgbClr r="0" g="0" b="0"/>
+        </a:lnRef>
+        <a:fillRef idx="1">
+          <a:scrgbClr r="0" g="0" b="0"/>
+        </a:fillRef>
+        <a:effectRef idx="1">
+          <a:scrgbClr r="0" g="0" b="0"/>
+        </a:effectRef>
+        <a:fontRef idx="minor">
+          <a:schemeClr val="lt1"/>
+        </a:fontRef>
+      </dsp:style>
+      <dsp:txBody>
+        <a:bodyPr spcFirstLastPara="0" vert="horz" wrap="square" lIns="26670" tIns="26670" rIns="26670" bIns="26670" numCol="1" spcCol="1270" anchor="ctr" anchorCtr="0">
+          <a:noAutofit/>
+        </a:bodyPr>
+        <a:lstStyle/>
+        <a:p>
+          <a:pPr lvl="0" algn="ctr" defTabSz="933450">
+            <a:lnSpc>
+              <a:spcPct val="90000"/>
+            </a:lnSpc>
+            <a:spcBef>
+              <a:spcPct val="0"/>
+            </a:spcBef>
+            <a:spcAft>
+              <a:spcPct val="35000"/>
+            </a:spcAft>
+          </a:pPr>
+          <a:r>
+            <a:rPr lang="en-US" sz="2100" kern="1200" dirty="0" smtClean="0"/>
+            <a:t>Mutation Algorithm</a:t>
+          </a:r>
+          <a:endParaRPr lang="en-US" sz="2100" kern="1200" dirty="0"/>
+        </a:p>
+      </dsp:txBody>
+      <dsp:txXfrm>
+        <a:off x="2341506" y="248800"/>
+        <a:ext cx="1201310" cy="1201310"/>
+      </dsp:txXfrm>
+    </dsp:sp>
+    <dsp:sp modelId="{B4879E9B-36F3-4AEA-90BF-9D3C10E3A788}">
+      <dsp:nvSpPr>
+        <dsp:cNvPr id="0" name=""/>
+        <dsp:cNvSpPr/>
+      </dsp:nvSpPr>
+      <dsp:spPr>
+        <a:xfrm rot="3610272">
+          <a:off x="3344471" y="1657743"/>
+          <a:ext cx="451041" cy="573382"/>
+        </a:xfrm>
+        <a:prstGeom prst="rightArrow">
+          <a:avLst>
+            <a:gd name="adj1" fmla="val 60000"/>
+            <a:gd name="adj2" fmla="val 50000"/>
+          </a:avLst>
+        </a:prstGeom>
+        <a:solidFill>
+          <a:schemeClr val="accent1">
+            <a:tint val="60000"/>
+            <a:hueOff val="0"/>
+            <a:satOff val="0"/>
+            <a:lumOff val="0"/>
+            <a:alphaOff val="0"/>
+          </a:schemeClr>
+        </a:solidFill>
+        <a:ln>
+          <a:noFill/>
+        </a:ln>
+        <a:effectLst/>
+      </dsp:spPr>
+      <dsp:style>
+        <a:lnRef idx="0">
+          <a:scrgbClr r="0" g="0" b="0"/>
+        </a:lnRef>
+        <a:fillRef idx="1">
+          <a:scrgbClr r="0" g="0" b="0"/>
+        </a:fillRef>
+        <a:effectRef idx="1">
+          <a:scrgbClr r="0" g="0" b="0"/>
+        </a:effectRef>
+        <a:fontRef idx="minor">
+          <a:schemeClr val="lt1"/>
+        </a:fontRef>
+      </dsp:style>
+      <dsp:txBody>
+        <a:bodyPr spcFirstLastPara="0" vert="horz" wrap="square" lIns="0" tIns="0" rIns="0" bIns="0" numCol="1" spcCol="1270" anchor="ctr" anchorCtr="0">
+          <a:noAutofit/>
+        </a:bodyPr>
+        <a:lstStyle/>
+        <a:p>
+          <a:pPr lvl="0" algn="ctr" defTabSz="755650">
+            <a:lnSpc>
+              <a:spcPct val="90000"/>
+            </a:lnSpc>
+            <a:spcBef>
+              <a:spcPct val="0"/>
+            </a:spcBef>
+            <a:spcAft>
+              <a:spcPct val="35000"/>
+            </a:spcAft>
+          </a:pPr>
+          <a:endParaRPr lang="en-US" sz="1700" kern="1200"/>
+        </a:p>
+      </dsp:txBody>
+      <dsp:txXfrm>
+        <a:off x="3378474" y="1713726"/>
+        <a:ext cx="315729" cy="344030"/>
+      </dsp:txXfrm>
+    </dsp:sp>
+    <dsp:sp modelId="{E0D70061-08EA-4537-9EDA-F6850A0C474F}">
+      <dsp:nvSpPr>
+        <dsp:cNvPr id="0" name=""/>
+        <dsp:cNvSpPr/>
+      </dsp:nvSpPr>
+      <dsp:spPr>
+        <a:xfrm>
+          <a:off x="3361068" y="2212106"/>
+          <a:ext cx="1698910" cy="1698910"/>
+        </a:xfrm>
+        <a:prstGeom prst="ellipse">
+          <a:avLst/>
+        </a:prstGeom>
+        <a:solidFill>
+          <a:schemeClr val="accent1">
+            <a:hueOff val="0"/>
+            <a:satOff val="0"/>
+            <a:lumOff val="0"/>
+            <a:alphaOff val="0"/>
+          </a:schemeClr>
+        </a:solidFill>
+        <a:ln w="19050" cap="flat" cmpd="sng" algn="ctr">
+          <a:solidFill>
+            <a:schemeClr val="lt1">
+              <a:hueOff val="0"/>
+              <a:satOff val="0"/>
+              <a:lumOff val="0"/>
+              <a:alphaOff val="0"/>
+            </a:schemeClr>
+          </a:solidFill>
+          <a:prstDash val="solid"/>
+          <a:miter lim="800000"/>
+        </a:ln>
+        <a:effectLst/>
+      </dsp:spPr>
+      <dsp:style>
+        <a:lnRef idx="3">
+          <a:scrgbClr r="0" g="0" b="0"/>
+        </a:lnRef>
+        <a:fillRef idx="1">
+          <a:scrgbClr r="0" g="0" b="0"/>
+        </a:fillRef>
+        <a:effectRef idx="1">
+          <a:scrgbClr r="0" g="0" b="0"/>
+        </a:effectRef>
+        <a:fontRef idx="minor">
+          <a:schemeClr val="lt1"/>
+        </a:fontRef>
+      </dsp:style>
+      <dsp:txBody>
+        <a:bodyPr spcFirstLastPara="0" vert="horz" wrap="square" lIns="26670" tIns="26670" rIns="26670" bIns="26670" numCol="1" spcCol="1270" anchor="ctr" anchorCtr="0">
+          <a:noAutofit/>
+        </a:bodyPr>
+        <a:lstStyle/>
+        <a:p>
+          <a:pPr lvl="0" algn="ctr" defTabSz="933450">
+            <a:lnSpc>
+              <a:spcPct val="90000"/>
+            </a:lnSpc>
+            <a:spcBef>
+              <a:spcPct val="0"/>
+            </a:spcBef>
+            <a:spcAft>
+              <a:spcPct val="35000"/>
+            </a:spcAft>
+          </a:pPr>
+          <a:r>
+            <a:rPr lang="en-US" sz="2100" kern="1200" dirty="0" smtClean="0"/>
+            <a:t>Decrypt</a:t>
+          </a:r>
+          <a:endParaRPr lang="en-US" sz="2100" kern="1200" dirty="0"/>
+        </a:p>
+      </dsp:txBody>
+      <dsp:txXfrm>
+        <a:off x="3609868" y="2460906"/>
+        <a:ext cx="1201310" cy="1201310"/>
+      </dsp:txXfrm>
+    </dsp:sp>
+    <dsp:sp modelId="{19868D4B-2179-4E67-932C-6EA567EBC97C}">
+      <dsp:nvSpPr>
+        <dsp:cNvPr id="0" name=""/>
+        <dsp:cNvSpPr/>
+      </dsp:nvSpPr>
+      <dsp:spPr>
+        <a:xfrm rot="10800000">
+          <a:off x="2720015" y="2774870"/>
+          <a:ext cx="453010" cy="573382"/>
+        </a:xfrm>
+        <a:prstGeom prst="rightArrow">
+          <a:avLst>
+            <a:gd name="adj1" fmla="val 60000"/>
+            <a:gd name="adj2" fmla="val 50000"/>
+          </a:avLst>
+        </a:prstGeom>
+        <a:solidFill>
+          <a:schemeClr val="accent1">
+            <a:tint val="60000"/>
+            <a:hueOff val="0"/>
+            <a:satOff val="0"/>
+            <a:lumOff val="0"/>
+            <a:alphaOff val="0"/>
+          </a:schemeClr>
+        </a:solidFill>
+        <a:ln>
+          <a:noFill/>
+        </a:ln>
+        <a:effectLst/>
+      </dsp:spPr>
+      <dsp:style>
+        <a:lnRef idx="0">
+          <a:scrgbClr r="0" g="0" b="0"/>
+        </a:lnRef>
+        <a:fillRef idx="1">
+          <a:scrgbClr r="0" g="0" b="0"/>
+        </a:fillRef>
+        <a:effectRef idx="1">
+          <a:scrgbClr r="0" g="0" b="0"/>
+        </a:effectRef>
+        <a:fontRef idx="minor">
+          <a:schemeClr val="lt1"/>
+        </a:fontRef>
+      </dsp:style>
+      <dsp:txBody>
+        <a:bodyPr spcFirstLastPara="0" vert="horz" wrap="square" lIns="0" tIns="0" rIns="0" bIns="0" numCol="1" spcCol="1270" anchor="ctr" anchorCtr="0">
+          <a:noAutofit/>
+        </a:bodyPr>
+        <a:lstStyle/>
+        <a:p>
+          <a:pPr lvl="0" algn="ctr" defTabSz="755650">
+            <a:lnSpc>
+              <a:spcPct val="90000"/>
+            </a:lnSpc>
+            <a:spcBef>
+              <a:spcPct val="0"/>
+            </a:spcBef>
+            <a:spcAft>
+              <a:spcPct val="35000"/>
+            </a:spcAft>
+          </a:pPr>
+          <a:endParaRPr lang="en-US" sz="1700" kern="1200"/>
+        </a:p>
+      </dsp:txBody>
+      <dsp:txXfrm rot="10800000">
+        <a:off x="2855918" y="2889546"/>
+        <a:ext cx="317107" cy="344030"/>
+      </dsp:txXfrm>
+    </dsp:sp>
+    <dsp:sp modelId="{48F20608-A56C-4AAE-93EC-C6968C34FA44}">
+      <dsp:nvSpPr>
+        <dsp:cNvPr id="0" name=""/>
+        <dsp:cNvSpPr/>
+      </dsp:nvSpPr>
+      <dsp:spPr>
+        <a:xfrm>
+          <a:off x="807421" y="2212106"/>
+          <a:ext cx="1698910" cy="1698910"/>
+        </a:xfrm>
+        <a:prstGeom prst="ellipse">
+          <a:avLst/>
+        </a:prstGeom>
+        <a:solidFill>
+          <a:schemeClr val="accent1">
+            <a:hueOff val="0"/>
+            <a:satOff val="0"/>
+            <a:lumOff val="0"/>
+            <a:alphaOff val="0"/>
+          </a:schemeClr>
+        </a:solidFill>
+        <a:ln w="19050" cap="flat" cmpd="sng" algn="ctr">
+          <a:solidFill>
+            <a:schemeClr val="lt1">
+              <a:hueOff val="0"/>
+              <a:satOff val="0"/>
+              <a:lumOff val="0"/>
+              <a:alphaOff val="0"/>
+            </a:schemeClr>
+          </a:solidFill>
+          <a:prstDash val="solid"/>
+          <a:miter lim="800000"/>
+        </a:ln>
+        <a:effectLst/>
+      </dsp:spPr>
+      <dsp:style>
+        <a:lnRef idx="3">
+          <a:scrgbClr r="0" g="0" b="0"/>
+        </a:lnRef>
+        <a:fillRef idx="1">
+          <a:scrgbClr r="0" g="0" b="0"/>
+        </a:fillRef>
+        <a:effectRef idx="1">
+          <a:scrgbClr r="0" g="0" b="0"/>
+        </a:effectRef>
+        <a:fontRef idx="minor">
+          <a:schemeClr val="lt1"/>
+        </a:fontRef>
+      </dsp:style>
+      <dsp:txBody>
+        <a:bodyPr spcFirstLastPara="0" vert="horz" wrap="square" lIns="26670" tIns="26670" rIns="26670" bIns="26670" numCol="1" spcCol="1270" anchor="ctr" anchorCtr="0">
+          <a:noAutofit/>
+        </a:bodyPr>
+        <a:lstStyle/>
+        <a:p>
+          <a:pPr lvl="0" algn="ctr" defTabSz="933450">
+            <a:lnSpc>
+              <a:spcPct val="90000"/>
+            </a:lnSpc>
+            <a:spcBef>
+              <a:spcPct val="0"/>
+            </a:spcBef>
+            <a:spcAft>
+              <a:spcPct val="35000"/>
+            </a:spcAft>
+          </a:pPr>
+          <a:r>
+            <a:rPr lang="en-US" sz="2100" kern="1200" dirty="0" smtClean="0"/>
+            <a:t>Analysis</a:t>
+          </a:r>
+          <a:endParaRPr lang="en-US" sz="2100" kern="1200" dirty="0"/>
+        </a:p>
+      </dsp:txBody>
+      <dsp:txXfrm>
+        <a:off x="1056221" y="2460906"/>
+        <a:ext cx="1201310" cy="1201310"/>
+      </dsp:txXfrm>
+    </dsp:sp>
+    <dsp:sp modelId="{665AA246-8A7D-40A3-9206-7BE43F7DD10B}">
+      <dsp:nvSpPr>
+        <dsp:cNvPr id="0" name=""/>
+        <dsp:cNvSpPr/>
+      </dsp:nvSpPr>
+      <dsp:spPr>
+        <a:xfrm rot="18009455">
+          <a:off x="2065279" y="1679964"/>
+          <a:ext cx="455525" cy="573382"/>
+        </a:xfrm>
+        <a:prstGeom prst="rightArrow">
+          <a:avLst>
+            <a:gd name="adj1" fmla="val 60000"/>
+            <a:gd name="adj2" fmla="val 50000"/>
+          </a:avLst>
+        </a:prstGeom>
+        <a:solidFill>
+          <a:schemeClr val="accent1">
+            <a:tint val="60000"/>
+            <a:hueOff val="0"/>
+            <a:satOff val="0"/>
+            <a:lumOff val="0"/>
+            <a:alphaOff val="0"/>
+          </a:schemeClr>
+        </a:solidFill>
+        <a:ln>
+          <a:noFill/>
+        </a:ln>
+        <a:effectLst/>
+      </dsp:spPr>
+      <dsp:style>
+        <a:lnRef idx="0">
+          <a:scrgbClr r="0" g="0" b="0"/>
+        </a:lnRef>
+        <a:fillRef idx="1">
+          <a:scrgbClr r="0" g="0" b="0"/>
+        </a:fillRef>
+        <a:effectRef idx="1">
+          <a:scrgbClr r="0" g="0" b="0"/>
+        </a:effectRef>
+        <a:fontRef idx="minor">
+          <a:schemeClr val="lt1"/>
+        </a:fontRef>
+      </dsp:style>
+      <dsp:txBody>
+        <a:bodyPr spcFirstLastPara="0" vert="horz" wrap="square" lIns="0" tIns="0" rIns="0" bIns="0" numCol="1" spcCol="1270" anchor="ctr" anchorCtr="0">
+          <a:noAutofit/>
+        </a:bodyPr>
+        <a:lstStyle/>
+        <a:p>
+          <a:pPr lvl="0" algn="ctr" defTabSz="755650">
+            <a:lnSpc>
+              <a:spcPct val="90000"/>
+            </a:lnSpc>
+            <a:spcBef>
+              <a:spcPct val="0"/>
+            </a:spcBef>
+            <a:spcAft>
+              <a:spcPct val="35000"/>
+            </a:spcAft>
+          </a:pPr>
+          <a:endParaRPr lang="en-US" sz="1700" kern="1200"/>
+        </a:p>
+      </dsp:txBody>
+      <dsp:txXfrm>
+        <a:off x="2099281" y="1853720"/>
+        <a:ext cx="318868" cy="344030"/>
+      </dsp:txXfrm>
+    </dsp:sp>
+  </dsp:spTree>
+</dsp:drawing>
+</file>
+
+<file path=ppt/diagrams/layout1.xml><?xml version="1.0" encoding="utf-8"?>
+<dgm:layoutDef xmlns:dgm="http://schemas.openxmlformats.org/drawingml/2006/diagram" xmlns:a="http://schemas.openxmlformats.org/drawingml/2006/main" uniqueId="urn:microsoft.com/office/officeart/2005/8/layout/cycle2">
+  <dgm:title val=""/>
+  <dgm:desc val=""/>
+  <dgm:catLst>
+    <dgm:cat type="cycle" pri="1000"/>
+    <dgm:cat type="convert" pri="10000"/>
+  </dgm:catLst>
+  <dgm:sampData>
+    <dgm:dataModel>
+      <dgm:ptLst>
+        <dgm:pt modelId="0" type="doc"/>
+        <dgm:pt modelId="1">
+          <dgm:prSet phldr="1"/>
+        </dgm:pt>
+        <dgm:pt modelId="2">
+          <dgm:prSet phldr="1"/>
+        </dgm:pt>
+        <dgm:pt modelId="3">
+          <dgm:prSet phldr="1"/>
+        </dgm:pt>
+        <dgm:pt modelId="4">
+          <dgm:prSet phldr="1"/>
+        </dgm:pt>
+        <dgm:pt modelId="5">
+          <dgm:prSet phldr="1"/>
+        </dgm:pt>
+      </dgm:ptLst>
+      <dgm:cxnLst>
+        <dgm:cxn modelId="6" srcId="0" destId="1" srcOrd="0" destOrd="0"/>
+        <dgm:cxn modelId="7" srcId="0" destId="2" srcOrd="1" destOrd="0"/>
+        <dgm:cxn modelId="8" srcId="0" destId="3" srcOrd="2" destOrd="0"/>
+        <dgm:cxn modelId="9" srcId="0" destId="4" srcOrd="3" destOrd="0"/>
+        <dgm:cxn modelId="10" srcId="0" destId="5" srcOrd="4" destOrd="0"/>
+      </dgm:cxnLst>
+      <dgm:bg/>
+      <dgm:whole/>
+    </dgm:dataModel>
+  </dgm:sampData>
+  <dgm:styleData>
+    <dgm:dataModel>
+      <dgm:ptLst>
+        <dgm:pt modelId="0" type="doc"/>
+        <dgm:pt modelId="1"/>
+        <dgm:pt modelId="2"/>
+        <dgm:pt modelId="3"/>
+      </dgm:ptLst>
+      <dgm:cxnLst>
+        <dgm:cxn modelId="4" srcId="0" destId="1" srcOrd="0" destOrd="0"/>
+        <dgm:cxn modelId="5" srcId="0" destId="2" srcOrd="1" destOrd="0"/>
+        <dgm:cxn modelId="6" srcId="0" destId="3" srcOrd="2" destOrd="0"/>
+      </dgm:cxnLst>
+      <dgm:bg/>
+      <dgm:whole/>
+    </dgm:dataModel>
+  </dgm:styleData>
+  <dgm:clrData>
+    <dgm:dataModel>
+      <dgm:ptLst>
+        <dgm:pt modelId="0" type="doc"/>
+        <dgm:pt modelId="1"/>
+        <dgm:pt modelId="2"/>
+        <dgm:pt modelId="3"/>
+        <dgm:pt modelId="4"/>
+        <dgm:pt modelId="5"/>
+        <dgm:pt modelId="6"/>
+      </dgm:ptLst>
+      <dgm:cxnLst>
+        <dgm:cxn modelId="7" srcId="0" destId="1" srcOrd="0" destOrd="0"/>
+        <dgm:cxn modelId="8" srcId="0" destId="2" srcOrd="1" destOrd="0"/>
+        <dgm:cxn modelId="9" srcId="0" destId="3" srcOrd="2" destOrd="0"/>
+        <dgm:cxn modelId="10" srcId="0" destId="4" srcOrd="3" destOrd="0"/>
+        <dgm:cxn modelId="11" srcId="0" destId="5" srcOrd="4" destOrd="0"/>
+        <dgm:cxn modelId="12" srcId="0" destId="6" srcOrd="5" destOrd="0"/>
+      </dgm:cxnLst>
+      <dgm:bg/>
+      <dgm:whole/>
+    </dgm:dataModel>
+  </dgm:clrData>
+  <dgm:layoutNode name="cycle">
+    <dgm:varLst>
+      <dgm:dir/>
+      <dgm:resizeHandles val="exact"/>
+    </dgm:varLst>
+    <dgm:choose name="Name0">
+      <dgm:if name="Name1" func="var" arg="dir" op="equ" val="norm">
+        <dgm:choose name="Name2">
+          <dgm:if name="Name3" axis="ch" ptType="node" func="cnt" op="gt" val="2">
+            <dgm:alg type="cycle">
+              <dgm:param type="stAng" val="0"/>
+              <dgm:param type="spanAng" val="360"/>
+            </dgm:alg>
+          </dgm:if>
+          <dgm:else name="Name4">
+            <dgm:alg type="cycle">
+              <dgm:param type="stAng" val="-90"/>
+              <dgm:param type="spanAng" val="360"/>
+            </dgm:alg>
+          </dgm:else>
+        </dgm:choose>
+      </dgm:if>
+      <dgm:else name="Name5">
+        <dgm:choose name="Name6">
+          <dgm:if name="Name7" axis="ch" ptType="node" func="cnt" op="gt" val="2">
+            <dgm:alg type="cycle">
+              <dgm:param type="stAng" val="0"/>
+              <dgm:param type="spanAng" val="-360"/>
+            </dgm:alg>
+          </dgm:if>
+          <dgm:else name="Name8">
+            <dgm:alg type="cycle">
+              <dgm:param type="stAng" val="90"/>
+              <dgm:param type="spanAng" val="-360"/>
+            </dgm:alg>
+          </dgm:else>
+        </dgm:choose>
+      </dgm:else>
+    </dgm:choose>
+    <dgm:shape xmlns:r="http://schemas.openxmlformats.org/officeDocument/2006/relationships" r:blip="">
+      <dgm:adjLst/>
+    </dgm:shape>
+    <dgm:presOf/>
+    <dgm:constrLst>
+      <dgm:constr type="w" for="ch" ptType="node" refType="w"/>
+      <dgm:constr type="w" for="ch" ptType="sibTrans" refType="w" refFor="ch" refPtType="node" op="equ" fact="0.25"/>
+      <dgm:constr type="sibSp" refType="w" refFor="ch" refPtType="node" fact="0.5"/>
+      <dgm:constr type="primFontSz" for="ch" ptType="node" op="equ" val="65"/>
+      <dgm:constr type="primFontSz" for="des" forName="connectorText" op="equ" val="55"/>
+      <dgm:constr type="primFontSz" for="des" forName="connectorText" refType="primFontSz" refFor="ch" refPtType="node" op="lte" fact="0.8"/>
+    </dgm:constrLst>
+    <dgm:ruleLst/>
+    <dgm:forEach name="nodesForEach" axis="ch" ptType="node">
+      <dgm:layoutNode name="node">
+        <dgm:varLst>
+          <dgm:bulletEnabled val="1"/>
+        </dgm:varLst>
+        <dgm:alg type="tx">
+          <dgm:param type="txAnchorVertCh" val="mid"/>
+        </dgm:alg>
+        <dgm:shape xmlns:r="http://schemas.openxmlformats.org/officeDocument/2006/relationships" type="ellipse" r:blip="">
+          <dgm:adjLst/>
+        </dgm:shape>
+        <dgm:presOf axis="desOrSelf" ptType="node"/>
+        <dgm:constrLst>
+          <dgm:constr type="h" refType="w"/>
+          <dgm:constr type="lMarg" refType="primFontSz" fact="0.1"/>
+          <dgm:constr type="rMarg" refType="primFontSz" fact="0.1"/>
+          <dgm:constr type="tMarg" refType="primFontSz" fact="0.1"/>
+          <dgm:constr type="bMarg" refType="primFontSz" fact="0.1"/>
+        </dgm:constrLst>
+        <dgm:ruleLst>
+          <dgm:rule type="primFontSz" val="5" fact="NaN" max="NaN"/>
+        </dgm:ruleLst>
+      </dgm:layoutNode>
+      <dgm:choose name="Name9">
+        <dgm:if name="Name10" axis="par ch" ptType="doc node" func="cnt" op="gt" val="1">
+          <dgm:forEach name="sibTransForEach" axis="followSib" ptType="sibTrans" hideLastTrans="0" cnt="1">
+            <dgm:layoutNode name="sibTrans">
+              <dgm:choose name="Name11">
+                <dgm:if name="Name12" axis="par ch" ptType="doc node" func="cnt" op="lt" val="3">
+                  <dgm:alg type="conn">
+                    <dgm:param type="begPts" val="radial"/>
+                    <dgm:param type="endPts" val="radial"/>
+                  </dgm:alg>
+                </dgm:if>
+                <dgm:else name="Name13">
+                  <dgm:alg type="conn">
+                    <dgm:param type="begPts" val="auto"/>
+                    <dgm:param type="endPts" val="auto"/>
+                  </dgm:alg>
+                </dgm:else>
+              </dgm:choose>
+              <dgm:shape xmlns:r="http://schemas.openxmlformats.org/officeDocument/2006/relationships" type="conn" r:blip="">
+                <dgm:adjLst/>
+              </dgm:shape>
+              <dgm:presOf axis="self"/>
+              <dgm:constrLst>
+                <dgm:constr type="h" refType="w" fact="1.35"/>
+                <dgm:constr type="connDist"/>
+                <dgm:constr type="w" for="ch" refType="connDist" fact="0.45"/>
+                <dgm:constr type="h" for="ch" refType="h"/>
+              </dgm:constrLst>
+              <dgm:ruleLst/>
+              <dgm:layoutNode name="connectorText">
+                <dgm:alg type="tx">
+                  <dgm:param type="autoTxRot" val="grav"/>
+                </dgm:alg>
+                <dgm:shape xmlns:r="http://schemas.openxmlformats.org/officeDocument/2006/relationships" type="conn" r:blip="" hideGeom="1">
+                  <dgm:adjLst/>
+                </dgm:shape>
+                <dgm:presOf axis="self"/>
+                <dgm:constrLst>
+                  <dgm:constr type="lMarg"/>
+                  <dgm:constr type="rMarg"/>
+                  <dgm:constr type="tMarg"/>
+                  <dgm:constr type="bMarg"/>
+                </dgm:constrLst>
+                <dgm:ruleLst>
+                  <dgm:rule type="primFontSz" val="5" fact="NaN" max="NaN"/>
+                </dgm:ruleLst>
+              </dgm:layoutNode>
+            </dgm:layoutNode>
+          </dgm:forEach>
+        </dgm:if>
+        <dgm:else name="Name14"/>
+      </dgm:choose>
+    </dgm:forEach>
+  </dgm:layoutNode>
+</dgm:layoutDef>
+</file>
+
+<file path=ppt/diagrams/quickStyle1.xml><?xml version="1.0" encoding="utf-8"?>
+<dgm:styleDef xmlns:dgm="http://schemas.openxmlformats.org/drawingml/2006/diagram" xmlns:a="http://schemas.openxmlformats.org/drawingml/2006/main" uniqueId="urn:microsoft.com/office/officeart/2005/8/quickstyle/simple2">
+  <dgm:title val=""/>
+  <dgm:desc val=""/>
+  <dgm:catLst>
+    <dgm:cat type="simple" pri="10200"/>
+  </dgm:catLst>
+  <dgm:scene3d>
+    <a:camera prst="orthographicFront"/>
+    <a:lightRig rig="threePt" dir="t"/>
+  </dgm:scene3d>
+  <dgm:styleLbl name="node0">
+    <dgm:scene3d>
+      <a:camera prst="orthographicFront"/>
+      <a:lightRig rig="threePt" dir="t"/>
+    </dgm:scene3d>
+    <dgm:sp3d/>
+    <dgm:txPr/>
+    <dgm:style>
+      <a:lnRef idx="3">
+        <a:scrgbClr r="0" g="0" b="0"/>
+      </a:lnRef>
+      <a:fillRef idx="1">
+        <a:scrgbClr r="0" g="0" b="0"/>
+      </a:fillRef>
+      <a:effectRef idx="1">
+        <a:scrgbClr r="0" g="0" b="0"/>
+      </a:effectRef>
+      <a:fontRef idx="minor">
+        <a:schemeClr val="lt1"/>
+      </a:fontRef>
+    </dgm:style>
+  </dgm:styleLbl>
+  <dgm:styleLbl name="lnNode1">
+    <dgm:scene3d>
+      <a:camera prst="orthographicFront"/>
+      <a:lightRig rig="threePt" dir="t"/>
+    </dgm:scene3d>
+    <dgm:sp3d/>
+    <dgm:txPr/>
+    <dgm:style>
+      <a:lnRef idx="3">
+        <a:scrgbClr r="0" g="0" b="0"/>
+      </a:lnRef>
+      <a:fillRef idx="1">
+        <a:scrgbClr r="0" g="0" b="0"/>
+      </a:fillRef>
+      <a:effectRef idx="1">
+        <a:scrgbClr r="0" g="0" b="0"/>
+      </a:effectRef>
+      <a:fontRef idx="minor">
+        <a:schemeClr val="lt1"/>
+      </a:fontRef>
+    </dgm:style>
+  </dgm:styleLbl>
+  <dgm:styleLbl name="vennNode1">
+    <dgm:scene3d>
+      <a:camera prst="orthographicFront"/>
+      <a:lightRig rig="threePt" dir="t"/>
+    </dgm:scene3d>
+    <dgm:sp3d/>
+    <dgm:txPr/>
+    <dgm:style>
+      <a:lnRef idx="3">
+        <a:scrgbClr r="0" g="0" b="0"/>
+      </a:lnRef>
+      <a:fillRef idx="1">
+        <a:scrgbClr r="0" g="0" b="0"/>
+      </a:fillRef>
+      <a:effectRef idx="0">
+        <a:scrgbClr r="0" g="0" b="0"/>
+      </a:effectRef>
+      <a:fontRef idx="minor">
+        <a:schemeClr val="tx1"/>
+      </a:fontRef>
+    </dgm:style>
+  </dgm:styleLbl>
+  <dgm:styleLbl name="alignNode1">
+    <dgm:scene3d>
+      <a:camera prst="orthographicFront"/>
+      <a:lightRig rig="threePt" dir="t"/>
+    </dgm:scene3d>
+    <dgm:sp3d/>
+    <dgm:txPr/>
+    <dgm:style>
+      <a:lnRef idx="2">
+        <a:scrgbClr r="0" g="0" b="0"/>
+      </a:lnRef>
+      <a:fillRef idx="1">
+        <a:scrgbClr r="0" g="0" b="0"/>
+      </a:fillRef>
+      <a:effectRef idx="1">
+        <a:scrgbClr r="0" g="0" b="0"/>
+      </a:effectRef>
+      <a:fontRef idx="minor">
+        <a:schemeClr val="lt1"/>
+      </a:fontRef>
+    </dgm:style>
+  </dgm:styleLbl>
+  <dgm:styleLbl name="node1">
+    <dgm:scene3d>
+      <a:camera prst="orthographicFront"/>
+      <a:lightRig rig="threePt" dir="t"/>
+    </dgm:scene3d>
+    <dgm:sp3d/>
+    <dgm:txPr/>
+    <dgm:style>
+      <a:lnRef idx="3">
+        <a:scrgbClr r="0" g="0" b="0"/>
+      </a:lnRef>
+      <a:fillRef idx="1">
+        <a:scrgbClr r="0" g="0" b="0"/>
+      </a:fillRef>
+      <a:effectRef idx="1">
+        <a:scrgbClr r="0" g="0" b="0"/>
+      </a:effectRef>
+      <a:fontRef idx="minor">
+        <a:schemeClr val="lt1"/>
+      </a:fontRef>
+    </dgm:style>
+  </dgm:styleLbl>
+  <dgm:styleLbl name="node2">
+    <dgm:scene3d>
+      <a:camera prst="orthographicFront"/>
+      <a:lightRig rig="threePt" dir="t"/>
+    </dgm:scene3d>
+    <dgm:sp3d/>
+    <dgm:txPr/>
+    <dgm:style>
+      <a:lnRef idx="3">
+        <a:scrgbClr r="0" g="0" b="0"/>
+      </a:lnRef>
+      <a:fillRef idx="1">
+        <a:scrgbClr r="0" g="0" b="0"/>
+      </a:fillRef>
+      <a:effectRef idx="1">
+        <a:scrgbClr r="0" g="0" b="0"/>
+      </a:effectRef>
+      <a:fontRef idx="minor">
+        <a:schemeClr val="lt1"/>
+      </a:fontRef>
+    </dgm:style>
+  </dgm:styleLbl>
+  <dgm:styleLbl name="node3">
+    <dgm:scene3d>
+      <a:camera prst="orthographicFront"/>
+      <a:lightRig rig="threePt" dir="t"/>
+    </dgm:scene3d>
+    <dgm:sp3d/>
+    <dgm:txPr/>
+    <dgm:style>
+      <a:lnRef idx="3">
+        <a:scrgbClr r="0" g="0" b="0"/>
+      </a:lnRef>
+      <a:fillRef idx="1">
+        <a:scrgbClr r="0" g="0" b="0"/>
+      </a:fillRef>
+      <a:effectRef idx="1">
+        <a:scrgbClr r="0" g="0" b="0"/>
+      </a:effectRef>
+      <a:fontRef idx="minor">
+        <a:schemeClr val="lt1"/>
+      </a:fontRef>
+    </dgm:style>
+  </dgm:styleLbl>
+  <dgm:styleLbl name="node4">
+    <dgm:scene3d>
+      <a:camera prst="orthographicFront"/>
+      <a:lightRig rig="threePt" dir="t"/>
+    </dgm:scene3d>
+    <dgm:sp3d/>
+    <dgm:txPr/>
+    <dgm:style>
+      <a:lnRef idx="3">
+        <a:scrgbClr r="0" g="0" b="0"/>
+      </a:lnRef>
+      <a:fillRef idx="1">
+        <a:scrgbClr r="0" g="0" b="0"/>
+      </a:fillRef>
+      <a:effectRef idx="1">
+        <a:scrgbClr r="0" g="0" b="0"/>
+      </a:effectRef>
+      <a:fontRef idx="minor">
+        <a:schemeClr val="lt1"/>
+      </a:fontRef>
+    </dgm:style>
+  </dgm:styleLbl>
+  <dgm:styleLbl name="fgImgPlace1">
+    <dgm:scene3d>
+      <a:camera prst="orthographicFront"/>
+      <a:lightRig rig="threePt" dir="t"/>
+    </dgm:scene3d>
+    <dgm:sp3d/>
+    <dgm:txPr/>
+    <dgm:style>
+      <a:lnRef idx="3">
+        <a:scrgbClr r="0" g="0" b="0"/>
+      </a:lnRef>
+      <a:fillRef idx="1">
+        <a:scrgbClr r="0" g="0" b="0"/>
+      </a:fillRef>
+      <a:effectRef idx="1">
+        <a:scrgbClr r="0" g="0" b="0"/>
+      </a:effectRef>
+      <a:fontRef idx="minor"/>
+    </dgm:style>
+  </dgm:styleLbl>
+  <dgm:styleLbl name="alignImgPlace1">
+    <dgm:scene3d>
+      <a:camera prst="orthographicFront"/>
+      <a:lightRig rig="threePt" dir="t"/>
+    </dgm:scene3d>
+    <dgm:sp3d/>
+    <dgm:txPr/>
+    <dgm:style>
+      <a:lnRef idx="3">
+        <a:scrgbClr r="0" g="0" b="0"/>
+      </a:lnRef>
+      <a:fillRef idx="1">
+        <a:scrgbClr r="0" g="0" b="0"/>
+      </a:fillRef>
+      <a:effectRef idx="1">
+        <a:scrgbClr r="0" g="0" b="0"/>
+      </a:effectRef>
+      <a:fontRef idx="minor"/>
+    </dgm:style>
+  </dgm:styleLbl>
+  <dgm:styleLbl name="bgImgPlace1">
+    <dgm:scene3d>
+      <a:camera prst="orthographicFront"/>
+      <a:lightRig rig="threePt" dir="t"/>
+    </dgm:scene3d>
+    <dgm:sp3d/>
+    <dgm:txPr/>
+    <dgm:style>
+      <a:lnRef idx="3">
+        <a:scrgbClr r="0" g="0" b="0"/>
+      </a:lnRef>
+      <a:fillRef idx="1">
+        <a:scrgbClr r="0" g="0" b="0"/>
+      </a:fillRef>
+      <a:effectRef idx="1">
+        <a:scrgbClr r="0" g="0" b="0"/>
+      </a:effectRef>
+      <a:fontRef idx="minor"/>
+    </dgm:style>
+  </dgm:styleLbl>
+  <dgm:styleLbl name="sibTrans2D1">
+    <dgm:scene3d>
+      <a:camera prst="orthographicFront"/>
+      <a:lightRig rig="threePt" dir="t"/>
+    </dgm:scene3d>
+    <dgm:sp3d/>
+    <dgm:txPr/>
+    <dgm:style>
+      <a:lnRef idx="0">
+        <a:scrgbClr r="0" g="0" b="0"/>
+      </a:lnRef>
+      <a:fillRef idx="1">
+        <a:scrgbClr r="0" g="0" b="0"/>
+      </a:fillRef>
+      <a:effectRef idx="1">
+        <a:scrgbClr r="0" g="0" b="0"/>
+      </a:effectRef>
+      <a:fontRef idx="minor">
+        <a:schemeClr val="lt1"/>
+      </a:fontRef>
+    </dgm:style>
+  </dgm:styleLbl>
+  <dgm:styleLbl name="fgSibTrans2D1">
+    <dgm:scene3d>
+      <a:camera prst="orthographicFront"/>
+      <a:lightRig rig="threePt" dir="t"/>
+    </dgm:scene3d>
+    <dgm:sp3d/>
+    <dgm:txPr/>
+    <dgm:style>
+      <a:lnRef idx="0">
+        <a:scrgbClr r="0" g="0" b="0"/>
+      </a:lnRef>
+      <a:fillRef idx="1">
+        <a:scrgbClr r="0" g="0" b="0"/>
+      </a:fillRef>
+      <a:effectRef idx="1">
+        <a:scrgbClr r="0" g="0" b="0"/>
+      </a:effectRef>
+      <a:fontRef idx="minor">
+        <a:schemeClr val="lt1"/>
+      </a:fontRef>
+    </dgm:style>
+  </dgm:styleLbl>
+  <dgm:styleLbl name="bgSibTrans2D1">
+    <dgm:scene3d>
+      <a:camera prst="orthographicFront"/>
+      <a:lightRig rig="threePt" dir="t"/>
+    </dgm:scene3d>
+    <dgm:sp3d/>
+    <dgm:txPr/>
+    <dgm:style>
+      <a:lnRef idx="0">
+        <a:scrgbClr r="0" g="0" b="0"/>
+      </a:lnRef>
+      <a:fillRef idx="1">
+        <a:scrgbClr r="0" g="0" b="0"/>
+      </a:fillRef>
+      <a:effectRef idx="1">
+        <a:scrgbClr r="0" g="0" b="0"/>
+      </a:effectRef>
+      <a:fontRef idx="minor">
+        <a:schemeClr val="lt1"/>
+      </a:fontRef>
+    </dgm:style>
+  </dgm:styleLbl>
+  <dgm:styleLbl name="sibTrans1D1">
+    <dgm:scene3d>
+      <a:camera prst="orthographicFront"/>
+      <a:lightRig rig="threePt" dir="t"/>
+    </dgm:scene3d>
+    <dgm:sp3d/>
+    <dgm:txPr/>
+    <dgm:style>
+      <a:lnRef idx="1">
+        <a:scrgbClr r="0" g="0" b="0"/>
+      </a:lnRef>
+      <a:fillRef idx="0">
+        <a:scrgbClr r="0" g="0" b="0"/>
+      </a:fillRef>
+      <a:effectRef idx="0">
+        <a:scrgbClr r="0" g="0" b="0"/>
+      </a:effectRef>
+      <a:fontRef idx="minor"/>
+    </dgm:style>
+  </dgm:styleLbl>
+  <dgm:styleLbl name="callout">
+    <dgm:scene3d>
+      <a:camera prst="orthographicFront"/>
+      <a:lightRig rig="threePt" dir="t"/>
+    </dgm:scene3d>
+    <dgm:sp3d/>
+    <dgm:txPr/>
+    <dgm:style>
+      <a:lnRef idx="2">
+        <a:scrgbClr r="0" g="0" b="0"/>
+      </a:lnRef>
+      <a:fillRef idx="1">
+        <a:scrgbClr r="0" g="0" b="0"/>
+      </a:fillRef>
+      <a:effectRef idx="1">
+        <a:scrgbClr r="0" g="0" b="0"/>
+      </a:effectRef>
+      <a:fontRef idx="minor"/>
+    </dgm:style>
+  </dgm:styleLbl>
+  <dgm:styleLbl name="asst0">
+    <dgm:scene3d>
+      <a:camera prst="orthographicFront"/>
+      <a:lightRig rig="threePt" dir="t"/>
+    </dgm:scene3d>
+    <dgm:sp3d/>
+    <dgm:txPr/>
+    <dgm:style>
+      <a:lnRef idx="3">
+        <a:scrgbClr r="0" g="0" b="0"/>
+      </a:lnRef>
+      <a:fillRef idx="1">
+        <a:scrgbClr r="0" g="0" b="0"/>
+      </a:fillRef>
+      <a:effectRef idx="1">
+        <a:scrgbClr r="0" g="0" b="0"/>
+      </a:effectRef>
+      <a:fontRef idx="minor">
+        <a:schemeClr val="lt1"/>
+      </a:fontRef>
+    </dgm:style>
+  </dgm:styleLbl>
+  <dgm:styleLbl name="asst1">
+    <dgm:scene3d>
+      <a:camera prst="orthographicFront"/>
+      <a:lightRig rig="threePt" dir="t"/>
+    </dgm:scene3d>
+    <dgm:sp3d/>
+    <dgm:txPr/>
+    <dgm:style>
+      <a:lnRef idx="3">
+        <a:scrgbClr r="0" g="0" b="0"/>
+      </a:lnRef>
+      <a:fillRef idx="1">
+        <a:scrgbClr r="0" g="0" b="0"/>
+      </a:fillRef>
+      <a:effectRef idx="1">
+        <a:scrgbClr r="0" g="0" b="0"/>
+      </a:effectRef>
+      <a:fontRef idx="minor">
+        <a:schemeClr val="lt1"/>
+      </a:fontRef>
+    </dgm:style>
+  </dgm:styleLbl>
+  <dgm:styleLbl name="asst2">
+    <dgm:scene3d>
+      <a:camera prst="orthographicFront"/>
+      <a:lightRig rig="threePt" dir="t"/>
+    </dgm:scene3d>
+    <dgm:sp3d/>
+    <dgm:txPr/>
+    <dgm:style>
+      <a:lnRef idx="3">
+        <a:scrgbClr r="0" g="0" b="0"/>
+      </a:lnRef>
+      <a:fillRef idx="1">
+        <a:scrgbClr r="0" g="0" b="0"/>
+      </a:fillRef>
+      <a:effectRef idx="1">
+        <a:scrgbClr r="0" g="0" b="0"/>
+      </a:effectRef>
+      <a:fontRef idx="minor">
+        <a:schemeClr val="lt1"/>
+      </a:fontRef>
+    </dgm:style>
+  </dgm:styleLbl>
+  <dgm:styleLbl name="asst3">
+    <dgm:scene3d>
+      <a:camera prst="orthographicFront"/>
+      <a:lightRig rig="threePt" dir="t"/>
+    </dgm:scene3d>
+    <dgm:sp3d/>
+    <dgm:txPr/>
+    <dgm:style>
+      <a:lnRef idx="3">
+        <a:scrgbClr r="0" g="0" b="0"/>
+      </a:lnRef>
+      <a:fillRef idx="1">
+        <a:scrgbClr r="0" g="0" b="0"/>
+      </a:fillRef>
+      <a:effectRef idx="1">
+        <a:scrgbClr r="0" g="0" b="0"/>
+      </a:effectRef>
+      <a:fontRef idx="minor">
+        <a:schemeClr val="lt1"/>
+      </a:fontRef>
+    </dgm:style>
+  </dgm:styleLbl>
+  <dgm:styleLbl name="asst4">
+    <dgm:scene3d>
+      <a:camera prst="orthographicFront"/>
+      <a:lightRig rig="threePt" dir="t"/>
+    </dgm:scene3d>
+    <dgm:sp3d/>
+    <dgm:txPr/>
+    <dgm:style>
+      <a:lnRef idx="3">
+        <a:scrgbClr r="0" g="0" b="0"/>
+      </a:lnRef>
+      <a:fillRef idx="1">
+        <a:scrgbClr r="0" g="0" b="0"/>
+      </a:fillRef>
+      <a:effectRef idx="1">
+        <a:scrgbClr r="0" g="0" b="0"/>
+      </a:effectRef>
+      <a:fontRef idx="minor">
+        <a:schemeClr val="lt1"/>
+      </a:fontRef>
+    </dgm:style>
+  </dgm:styleLbl>
+  <dgm:styleLbl name="parChTrans2D1">
+    <dgm:scene3d>
+      <a:camera prst="orthographicFront"/>
+      <a:lightRig rig="threePt" dir="t"/>
+    </dgm:scene3d>
+    <dgm:sp3d/>
+    <dgm:txPr/>
+    <dgm:style>
+      <a:lnRef idx="3">
+        <a:scrgbClr r="0" g="0" b="0"/>
+      </a:lnRef>
+      <a:fillRef idx="1">
+        <a:scrgbClr r="0" g="0" b="0"/>
+      </a:fillRef>
+      <a:effectRef idx="1">
+        <a:scrgbClr r="0" g="0" b="0"/>
+      </a:effectRef>
+      <a:fontRef idx="minor">
+        <a:schemeClr val="lt1"/>
+      </a:fontRef>
+    </dgm:style>
+  </dgm:styleLbl>
+  <dgm:styleLbl name="parChTrans2D2">
+    <dgm:scene3d>
+      <a:camera prst="orthographicFront"/>
+      <a:lightRig rig="threePt" dir="t"/>
+    </dgm:scene3d>
+    <dgm:sp3d/>
+    <dgm:txPr/>
+    <dgm:style>
+      <a:lnRef idx="3">
+        <a:scrgbClr r="0" g="0" b="0"/>
+      </a:lnRef>
+      <a:fillRef idx="1">
+        <a:scrgbClr r="0" g="0" b="0"/>
+      </a:fillRef>
+      <a:effectRef idx="1">
+        <a:scrgbClr r="0" g="0" b="0"/>
+      </a:effectRef>
+      <a:fontRef idx="minor">
+        <a:schemeClr val="lt1"/>
+      </a:fontRef>
+    </dgm:style>
+  </dgm:styleLbl>
+  <dgm:styleLbl name="parChTrans2D3">
+    <dgm:scene3d>
+      <a:camera prst="orthographicFront"/>
+      <a:lightRig rig="threePt" dir="t"/>
+    </dgm:scene3d>
+    <dgm:sp3d/>
+    <dgm:txPr/>
+    <dgm:style>
+      <a:lnRef idx="3">
+        <a:scrgbClr r="0" g="0" b="0"/>
+      </a:lnRef>
+      <a:fillRef idx="1">
+        <a:scrgbClr r="0" g="0" b="0"/>
+      </a:fillRef>
+      <a:effectRef idx="1">
+        <a:scrgbClr r="0" g="0" b="0"/>
+      </a:effectRef>
+      <a:fontRef idx="minor">
+        <a:schemeClr val="lt1"/>
+      </a:fontRef>
+    </dgm:style>
+  </dgm:styleLbl>
+  <dgm:styleLbl name="parChTrans2D4">
+    <dgm:scene3d>
+      <a:camera prst="orthographicFront"/>
+      <a:lightRig rig="threePt" dir="t"/>
+    </dgm:scene3d>
+    <dgm:sp3d/>
+    <dgm:txPr/>
+    <dgm:style>
+      <a:lnRef idx="3">
+        <a:scrgbClr r="0" g="0" b="0"/>
+      </a:lnRef>
+      <a:fillRef idx="1">
+        <a:scrgbClr r="0" g="0" b="0"/>
+      </a:fillRef>
+      <a:effectRef idx="1">
+        <a:scrgbClr r="0" g="0" b="0"/>
+      </a:effectRef>
+      <a:fontRef idx="minor">
+        <a:schemeClr val="lt1"/>
+      </a:fontRef>
+    </dgm:style>
+  </dgm:styleLbl>
+  <dgm:styleLbl name="parChTrans1D1">
+    <dgm:scene3d>
+      <a:camera prst="orthographicFront"/>
+      <a:lightRig rig="threePt" dir="t"/>
+    </dgm:scene3d>
+    <dgm:sp3d/>
+    <dgm:txPr/>
+    <dgm:style>
+      <a:lnRef idx="2">
+        <a:scrgbClr r="0" g="0" b="0"/>
+      </a:lnRef>
+      <a:fillRef idx="0">
+        <a:scrgbClr r="0" g="0" b="0"/>
+      </a:fillRef>
+      <a:effectRef idx="0">
+        <a:scrgbClr r="0" g="0" b="0"/>
+      </a:effectRef>
+      <a:fontRef idx="minor"/>
+    </dgm:style>
+  </dgm:styleLbl>
+  <dgm:styleLbl name="parChTrans1D2">
+    <dgm:scene3d>
+      <a:camera prst="orthographicFront"/>
+      <a:lightRig rig="threePt" dir="t"/>
+    </dgm:scene3d>
+    <dgm:sp3d/>
+    <dgm:txPr/>
+    <dgm:style>
+      <a:lnRef idx="2">
+        <a:scrgbClr r="0" g="0" b="0"/>
+      </a:lnRef>
+      <a:fillRef idx="0">
+        <a:scrgbClr r="0" g="0" b="0"/>
+      </a:fillRef>
+      <a:effectRef idx="0">
+        <a:scrgbClr r="0" g="0" b="0"/>
+      </a:effectRef>
+      <a:fontRef idx="minor"/>
+    </dgm:style>
+  </dgm:styleLbl>
+  <dgm:styleLbl name="parChTrans1D3">
+    <dgm:scene3d>
+      <a:camera prst="orthographicFront"/>
+      <a:lightRig rig="threePt" dir="t"/>
+    </dgm:scene3d>
+    <dgm:sp3d/>
+    <dgm:txPr/>
+    <dgm:style>
+      <a:lnRef idx="2">
+        <a:scrgbClr r="0" g="0" b="0"/>
+      </a:lnRef>
+      <a:fillRef idx="0">
+        <a:scrgbClr r="0" g="0" b="0"/>
+      </a:fillRef>
+      <a:effectRef idx="0">
+        <a:scrgbClr r="0" g="0" b="0"/>
+      </a:effectRef>
+      <a:fontRef idx="minor"/>
+    </dgm:style>
+  </dgm:styleLbl>
+  <dgm:styleLbl name="parChTrans1D4">
+    <dgm:scene3d>
+      <a:camera prst="orthographicFront"/>
+      <a:lightRig rig="threePt" dir="t"/>
+    </dgm:scene3d>
+    <dgm:sp3d/>
+    <dgm:txPr/>
+    <dgm:style>
+      <a:lnRef idx="2">
+        <a:scrgbClr r="0" g="0" b="0"/>
+      </a:lnRef>
+      <a:fillRef idx="0">
+        <a:scrgbClr r="0" g="0" b="0"/>
+      </a:fillRef>
+      <a:effectRef idx="0">
+        <a:scrgbClr r="0" g="0" b="0"/>
+      </a:effectRef>
+      <a:fontRef idx="minor"/>
+    </dgm:style>
+  </dgm:styleLbl>
+  <dgm:styleLbl name="fgAcc1">
+    <dgm:scene3d>
+      <a:camera prst="orthographicFront"/>
+      <a:lightRig rig="threePt" dir="t"/>
+    </dgm:scene3d>
+    <dgm:sp3d/>
+    <dgm:txPr/>
+    <dgm:style>
+      <a:lnRef idx="2">
+        <a:scrgbClr r="0" g="0" b="0"/>
+      </a:lnRef>
+      <a:fillRef idx="1">
+        <a:scrgbClr r="0" g="0" b="0"/>
+      </a:fillRef>
+      <a:effectRef idx="0">
+        <a:scrgbClr r="0" g="0" b="0"/>
+      </a:effectRef>
+      <a:fontRef idx="minor"/>
+    </dgm:style>
+  </dgm:styleLbl>
+  <dgm:styleLbl name="conFgAcc1">
+    <dgm:scene3d>
+      <a:camera prst="orthographicFront"/>
+      <a:lightRig rig="threePt" dir="t"/>
+    </dgm:scene3d>
+    <dgm:sp3d/>
+    <dgm:txPr/>
+    <dgm:style>
+      <a:lnRef idx="2">
+        <a:scrgbClr r="0" g="0" b="0"/>
+      </a:lnRef>
+      <a:fillRef idx="1">
+        <a:scrgbClr r="0" g="0" b="0"/>
+      </a:fillRef>
+      <a:effectRef idx="0">
+        <a:scrgbClr r="0" g="0" b="0"/>
+      </a:effectRef>
+      <a:fontRef idx="minor"/>
+    </dgm:style>
+  </dgm:styleLbl>
+  <dgm:styleLbl name="alignAcc1">
+    <dgm:scene3d>
+      <a:camera prst="orthographicFront"/>
+      <a:lightRig rig="threePt" dir="t"/>
+    </dgm:scene3d>
+    <dgm:sp3d/>
+    <dgm:txPr/>
+    <dgm:style>
+      <a:lnRef idx="2">
+        <a:scrgbClr r="0" g="0" b="0"/>
+      </a:lnRef>
+      <a:fillRef idx="1">
+        <a:scrgbClr r="0" g="0" b="0"/>
+      </a:fillRef>
+      <a:effectRef idx="0">
+        <a:scrgbClr r="0" g="0" b="0"/>
+      </a:effectRef>
+      <a:fontRef idx="minor"/>
+    </dgm:style>
+  </dgm:styleLbl>
+  <dgm:styleLbl name="trAlignAcc1">
+    <dgm:scene3d>
+      <a:camera prst="orthographicFront"/>
+      <a:lightRig rig="threePt" dir="t"/>
+    </dgm:scene3d>
+    <dgm:sp3d/>
+    <dgm:txPr/>
+    <dgm:style>
+      <a:lnRef idx="1">
+        <a:scrgbClr r="0" g="0" b="0"/>
+      </a:lnRef>
+      <a:fillRef idx="1">
+        <a:scrgbClr r="0" g="0" b="0"/>
+      </a:fillRef>
+      <a:effectRef idx="0">
+        <a:scrgbClr r="0" g="0" b="0"/>
+      </a:effectRef>
+      <a:fontRef idx="minor"/>
+    </dgm:style>
+  </dgm:styleLbl>
+  <dgm:styleLbl name="bgAcc1">
+    <dgm:scene3d>
+      <a:camera prst="orthographicFront"/>
+      <a:lightRig rig="threePt" dir="t"/>
+    </dgm:scene3d>
+    <dgm:sp3d/>
+    <dgm:txPr/>
+    <dgm:style>
+      <a:lnRef idx="2">
+        <a:scrgbClr r="0" g="0" b="0"/>
+      </a:lnRef>
+      <a:fillRef idx="1">
+        <a:scrgbClr r="0" g="0" b="0"/>
+      </a:fillRef>
+      <a:effectRef idx="0">
+        <a:scrgbClr r="0" g="0" b="0"/>
+      </a:effectRef>
+      <a:fontRef idx="minor"/>
+    </dgm:style>
+  </dgm:styleLbl>
+  <dgm:styleLbl name="solidFgAcc1">
+    <dgm:scene3d>
+      <a:camera prst="orthographicFront"/>
+      <a:lightRig rig="threePt" dir="t"/>
+    </dgm:scene3d>
+    <dgm:sp3d/>
+    <dgm:txPr/>
+    <dgm:style>
+      <a:lnRef idx="2">
+        <a:scrgbClr r="0" g="0" b="0"/>
+      </a:lnRef>
+      <a:fillRef idx="1">
+        <a:scrgbClr r="0" g="0" b="0"/>
+      </a:fillRef>
+      <a:effectRef idx="0">
+        <a:scrgbClr r="0" g="0" b="0"/>
+      </a:effectRef>
+      <a:fontRef idx="minor"/>
+    </dgm:style>
+  </dgm:styleLbl>
+  <dgm:styleLbl name="solidAlignAcc1">
+    <dgm:scene3d>
+      <a:camera prst="orthographicFront"/>
+      <a:lightRig rig="threePt" dir="t"/>
+    </dgm:scene3d>
+    <dgm:sp3d/>
+    <dgm:txPr/>
+    <dgm:style>
+      <a:lnRef idx="2">
+        <a:scrgbClr r="0" g="0" b="0"/>
+      </a:lnRef>
+      <a:fillRef idx="1">
+        <a:scrgbClr r="0" g="0" b="0"/>
+      </a:fillRef>
+      <a:effectRef idx="0">
+        <a:scrgbClr r="0" g="0" b="0"/>
+      </a:effectRef>
+      <a:fontRef idx="minor"/>
+    </dgm:style>
+  </dgm:styleLbl>
+  <dgm:styleLbl name="solidBgAcc1">
+    <dgm:scene3d>
+      <a:camera prst="orthographicFront"/>
+      <a:lightRig rig="threePt" dir="t"/>
+    </dgm:scene3d>
+    <dgm:sp3d/>
+    <dgm:txPr/>
+    <dgm:style>
+      <a:lnRef idx="2">
+        <a:scrgbClr r="0" g="0" b="0"/>
+      </a:lnRef>
+      <a:fillRef idx="1">
+        <a:scrgbClr r="0" g="0" b="0"/>
+      </a:fillRef>
+      <a:effectRef idx="0">
+        <a:scrgbClr r="0" g="0" b="0"/>
+      </a:effectRef>
+      <a:fontRef idx="minor"/>
+    </dgm:style>
+  </dgm:styleLbl>
+  <dgm:styleLbl name="fgAccFollowNode1">
+    <dgm:scene3d>
+      <a:camera prst="orthographicFront"/>
+      <a:lightRig rig="threePt" dir="t"/>
+    </dgm:scene3d>
+    <dgm:sp3d/>
+    <dgm:txPr/>
+    <dgm:style>
+      <a:lnRef idx="2">
+        <a:scrgbClr r="0" g="0" b="0"/>
+      </a:lnRef>
+      <a:fillRef idx="1">
+        <a:scrgbClr r="0" g="0" b="0"/>
+      </a:fillRef>
+      <a:effectRef idx="0">
+        <a:scrgbClr r="0" g="0" b="0"/>
+      </a:effectRef>
+      <a:fontRef idx="minor"/>
+    </dgm:style>
+  </dgm:styleLbl>
+  <dgm:styleLbl name="alignAccFollowNode1">
+    <dgm:scene3d>
+      <a:camera prst="orthographicFront"/>
+      <a:lightRig rig="threePt" dir="t"/>
+    </dgm:scene3d>
+    <dgm:sp3d/>
+    <dgm:txPr/>
+    <dgm:style>
+      <a:lnRef idx="2">
+        <a:scrgbClr r="0" g="0" b="0"/>
+      </a:lnRef>
+      <a:fillRef idx="1">
+        <a:scrgbClr r="0" g="0" b="0"/>
+      </a:fillRef>
+      <a:effectRef idx="0">
+        <a:scrgbClr r="0" g="0" b="0"/>
+      </a:effectRef>
+      <a:fontRef idx="minor"/>
+    </dgm:style>
+  </dgm:styleLbl>
+  <dgm:styleLbl name="bgAccFollowNode1">
+    <dgm:scene3d>
+      <a:camera prst="orthographicFront"/>
+      <a:lightRig rig="threePt" dir="t"/>
+    </dgm:scene3d>
+    <dgm:sp3d/>
+    <dgm:txPr/>
+    <dgm:style>
+      <a:lnRef idx="2">
+        <a:scrgbClr r="0" g="0" b="0"/>
+      </a:lnRef>
+      <a:fillRef idx="1">
+        <a:scrgbClr r="0" g="0" b="0"/>
+      </a:fillRef>
+      <a:effectRef idx="0">
+        <a:scrgbClr r="0" g="0" b="0"/>
+      </a:effectRef>
+      <a:fontRef idx="minor"/>
+    </dgm:style>
+  </dgm:styleLbl>
+  <dgm:styleLbl name="fgAcc0">
+    <dgm:scene3d>
+      <a:camera prst="orthographicFront"/>
+      <a:lightRig rig="threePt" dir="t"/>
+    </dgm:scene3d>
+    <dgm:sp3d/>
+    <dgm:txPr/>
+    <dgm:style>
+      <a:lnRef idx="2">
+        <a:scrgbClr r="0" g="0" b="0"/>
+      </a:lnRef>
+      <a:fillRef idx="1">
+        <a:scrgbClr r="0" g="0" b="0"/>
+      </a:fillRef>
+      <a:effectRef idx="0">
+        <a:scrgbClr r="0" g="0" b="0"/>
+      </a:effectRef>
+      <a:fontRef idx="minor"/>
+    </dgm:style>
+  </dgm:styleLbl>
+  <dgm:styleLbl name="fgAcc2">
+    <dgm:scene3d>
+      <a:camera prst="orthographicFront"/>
+      <a:lightRig rig="threePt" dir="t"/>
+    </dgm:scene3d>
+    <dgm:sp3d/>
+    <dgm:txPr/>
+    <dgm:style>
+      <a:lnRef idx="2">
+        <a:scrgbClr r="0" g="0" b="0"/>
+      </a:lnRef>
+      <a:fillRef idx="1">
+        <a:scrgbClr r="0" g="0" b="0"/>
+      </a:fillRef>
+      <a:effectRef idx="0">
+        <a:scrgbClr r="0" g="0" b="0"/>
+      </a:effectRef>
+      <a:fontRef idx="minor"/>
+    </dgm:style>
+  </dgm:styleLbl>
+  <dgm:styleLbl name="fgAcc3">
+    <dgm:scene3d>
+      <a:camera prst="orthographicFront"/>
+      <a:lightRig rig="threePt" dir="t"/>
+    </dgm:scene3d>
+    <dgm:sp3d/>
+    <dgm:txPr/>
+    <dgm:style>
+      <a:lnRef idx="2">
+        <a:scrgbClr r="0" g="0" b="0"/>
+      </a:lnRef>
+      <a:fillRef idx="1">
+        <a:scrgbClr r="0" g="0" b="0"/>
+      </a:fillRef>
+      <a:effectRef idx="0">
+        <a:scrgbClr r="0" g="0" b="0"/>
+      </a:effectRef>
+      <a:fontRef idx="minor"/>
+    </dgm:style>
+  </dgm:styleLbl>
+  <dgm:styleLbl name="fgAcc4">
+    <dgm:scene3d>
+      <a:camera prst="orthographicFront"/>
+      <a:lightRig rig="threePt" dir="t"/>
+    </dgm:scene3d>
+    <dgm:sp3d/>
+    <dgm:txPr/>
+    <dgm:style>
+      <a:lnRef idx="2">
+        <a:scrgbClr r="0" g="0" b="0"/>
+      </a:lnRef>
+      <a:fillRef idx="1">
+        <a:scrgbClr r="0" g="0" b="0"/>
+      </a:fillRef>
+      <a:effectRef idx="0">
+        <a:scrgbClr r="0" g="0" b="0"/>
+      </a:effectRef>
+      <a:fontRef idx="minor"/>
+    </dgm:style>
+  </dgm:styleLbl>
+  <dgm:styleLbl name="bgShp">
+    <dgm:scene3d>
+      <a:camera prst="orthographicFront"/>
+      <a:lightRig rig="threePt" dir="t"/>
+    </dgm:scene3d>
+    <dgm:sp3d/>
+    <dgm:txPr/>
+    <dgm:style>
+      <a:lnRef idx="0">
+        <a:scrgbClr r="0" g="0" b="0"/>
+      </a:lnRef>
+      <a:fillRef idx="1">
+        <a:scrgbClr r="0" g="0" b="0"/>
+      </a:fillRef>
+      <a:effectRef idx="0">
+        <a:scrgbClr r="0" g="0" b="0"/>
+      </a:effectRef>
+      <a:fontRef idx="minor"/>
+    </dgm:style>
+  </dgm:styleLbl>
+  <dgm:styleLbl name="dkBgShp">
+    <dgm:scene3d>
+      <a:camera prst="orthographicFront"/>
+      <a:lightRig rig="threePt" dir="t"/>
+    </dgm:scene3d>
+    <dgm:sp3d/>
+    <dgm:txPr/>
+    <dgm:style>
+      <a:lnRef idx="0">
+        <a:scrgbClr r="0" g="0" b="0"/>
+      </a:lnRef>
+      <a:fillRef idx="1">
+        <a:scrgbClr r="0" g="0" b="0"/>
+      </a:fillRef>
+      <a:effectRef idx="0">
+        <a:scrgbClr r="0" g="0" b="0"/>
+      </a:effectRef>
+      <a:fontRef idx="minor"/>
+    </dgm:style>
+  </dgm:styleLbl>
+  <dgm:styleLbl name="trBgShp">
+    <dgm:scene3d>
+      <a:camera prst="orthographicFront"/>
+      <a:lightRig rig="threePt" dir="t"/>
+    </dgm:scene3d>
+    <dgm:sp3d/>
+    <dgm:txPr/>
+    <dgm:style>
+      <a:lnRef idx="0">
+        <a:scrgbClr r="0" g="0" b="0"/>
+      </a:lnRef>
+      <a:fillRef idx="1">
+        <a:scrgbClr r="0" g="0" b="0"/>
+      </a:fillRef>
+      <a:effectRef idx="0">
+        <a:scrgbClr r="0" g="0" b="0"/>
+      </a:effectRef>
+      <a:fontRef idx="minor"/>
+    </dgm:style>
+  </dgm:styleLbl>
+  <dgm:styleLbl name="fgShp">
+    <dgm:scene3d>
+      <a:camera prst="orthographicFront"/>
+      <a:lightRig rig="threePt" dir="t"/>
+    </dgm:scene3d>
+    <dgm:sp3d/>
+    <dgm:txPr/>
+    <dgm:style>
+      <a:lnRef idx="3">
+        <a:scrgbClr r="0" g="0" b="0"/>
+      </a:lnRef>
+      <a:fillRef idx="1">
+        <a:scrgbClr r="0" g="0" b="0"/>
+      </a:fillRef>
+      <a:effectRef idx="1">
+        <a:scrgbClr r="0" g="0" b="0"/>
+      </a:effectRef>
+      <a:fontRef idx="minor"/>
+    </dgm:style>
+  </dgm:styleLbl>
+  <dgm:styleLbl name="revTx">
+    <dgm:scene3d>
+      <a:camera prst="orthographicFront"/>
+      <a:lightRig rig="threePt" dir="t"/>
+    </dgm:scene3d>
+    <dgm:sp3d/>
+    <dgm:txPr/>
+    <dgm:style>
+      <a:lnRef idx="0">
+        <a:scrgbClr r="0" g="0" b="0"/>
+      </a:lnRef>
+      <a:fillRef idx="0">
+        <a:scrgbClr r="0" g="0" b="0"/>
+      </a:fillRef>
+      <a:effectRef idx="0">
+        <a:scrgbClr r="0" g="0" b="0"/>
+      </a:effectRef>
+      <a:fontRef idx="minor"/>
+    </dgm:style>
+  </dgm:styleLbl>
+</dgm:styleDef>
 </file>
 
 <file path=ppt/slideLayouts/slideLayout1.xml><?xml version="1.0" encoding="utf-8"?>
@@ -309,7 +2993,7 @@
           <a:p>
             <a:fld id="{3FBB3453-B19B-49F8-8325-D30B26033753}" type="datetimeFigureOut">
               <a:rPr lang="en-US" smtClean="0"/>
-              <a:t>8/12/2018</a:t>
+              <a:t>8/13/2018</a:t>
             </a:fld>
             <a:endParaRPr lang="en-US"/>
           </a:p>
@@ -590,7 +3274,7 @@
           <a:p>
             <a:fld id="{3FBB3453-B19B-49F8-8325-D30B26033753}" type="datetimeFigureOut">
               <a:rPr lang="en-US" smtClean="0"/>
-              <a:t>8/12/2018</a:t>
+              <a:t>8/13/2018</a:t>
             </a:fld>
             <a:endParaRPr lang="en-US"/>
           </a:p>
@@ -782,7 +3466,7 @@
           <a:p>
             <a:fld id="{3FBB3453-B19B-49F8-8325-D30B26033753}" type="datetimeFigureOut">
               <a:rPr lang="en-US" smtClean="0"/>
-              <a:t>8/12/2018</a:t>
+              <a:t>8/13/2018</a:t>
             </a:fld>
             <a:endParaRPr lang="en-US"/>
           </a:p>
@@ -1043,7 +3727,7 @@
           <a:p>
             <a:fld id="{3FBB3453-B19B-49F8-8325-D30B26033753}" type="datetimeFigureOut">
               <a:rPr lang="en-US" smtClean="0"/>
-              <a:t>8/12/2018</a:t>
+              <a:t>8/13/2018</a:t>
             </a:fld>
             <a:endParaRPr lang="en-US"/>
           </a:p>
@@ -1469,7 +4153,7 @@
           <a:p>
             <a:fld id="{3FBB3453-B19B-49F8-8325-D30B26033753}" type="datetimeFigureOut">
               <a:rPr lang="en-US" smtClean="0"/>
-              <a:t>8/12/2018</a:t>
+              <a:t>8/13/2018</a:t>
             </a:fld>
             <a:endParaRPr lang="en-US"/>
           </a:p>
@@ -2015,7 +4699,7 @@
           <a:p>
             <a:fld id="{3FBB3453-B19B-49F8-8325-D30B26033753}" type="datetimeFigureOut">
               <a:rPr lang="en-US" smtClean="0"/>
-              <a:t>8/12/2018</a:t>
+              <a:t>8/13/2018</a:t>
             </a:fld>
             <a:endParaRPr lang="en-US"/>
           </a:p>
@@ -2846,7 +5530,7 @@
           <a:p>
             <a:fld id="{3FBB3453-B19B-49F8-8325-D30B26033753}" type="datetimeFigureOut">
               <a:rPr lang="en-US" smtClean="0"/>
-              <a:t>8/12/2018</a:t>
+              <a:t>8/13/2018</a:t>
             </a:fld>
             <a:endParaRPr lang="en-US"/>
           </a:p>
@@ -3016,7 +5700,7 @@
           <a:p>
             <a:fld id="{3FBB3453-B19B-49F8-8325-D30B26033753}" type="datetimeFigureOut">
               <a:rPr lang="en-US" smtClean="0"/>
-              <a:t>8/12/2018</a:t>
+              <a:t>8/13/2018</a:t>
             </a:fld>
             <a:endParaRPr lang="en-US"/>
           </a:p>
@@ -3196,7 +5880,7 @@
           <a:p>
             <a:fld id="{3FBB3453-B19B-49F8-8325-D30B26033753}" type="datetimeFigureOut">
               <a:rPr lang="en-US" smtClean="0"/>
-              <a:t>8/12/2018</a:t>
+              <a:t>8/13/2018</a:t>
             </a:fld>
             <a:endParaRPr lang="en-US"/>
           </a:p>
@@ -3366,7 +6050,7 @@
           <a:p>
             <a:fld id="{3FBB3453-B19B-49F8-8325-D30B26033753}" type="datetimeFigureOut">
               <a:rPr lang="en-US" smtClean="0"/>
-              <a:t>8/12/2018</a:t>
+              <a:t>8/13/2018</a:t>
             </a:fld>
             <a:endParaRPr lang="en-US"/>
           </a:p>
@@ -3623,7 +6307,7 @@
           <a:p>
             <a:fld id="{3FBB3453-B19B-49F8-8325-D30B26033753}" type="datetimeFigureOut">
               <a:rPr lang="en-US" smtClean="0"/>
-              <a:t>8/12/2018</a:t>
+              <a:t>8/13/2018</a:t>
             </a:fld>
             <a:endParaRPr lang="en-US"/>
           </a:p>
@@ -3855,7 +6539,7 @@
           <a:p>
             <a:fld id="{3FBB3453-B19B-49F8-8325-D30B26033753}" type="datetimeFigureOut">
               <a:rPr lang="en-US" smtClean="0"/>
-              <a:t>8/12/2018</a:t>
+              <a:t>8/13/2018</a:t>
             </a:fld>
             <a:endParaRPr lang="en-US"/>
           </a:p>
@@ -4248,7 +6932,7 @@
           <a:p>
             <a:fld id="{3FBB3453-B19B-49F8-8325-D30B26033753}" type="datetimeFigureOut">
               <a:rPr lang="en-US" smtClean="0"/>
-              <a:t>8/12/2018</a:t>
+              <a:t>8/13/2018</a:t>
             </a:fld>
             <a:endParaRPr lang="en-US"/>
           </a:p>
@@ -4366,7 +7050,7 @@
           <a:p>
             <a:fld id="{3FBB3453-B19B-49F8-8325-D30B26033753}" type="datetimeFigureOut">
               <a:rPr lang="en-US" smtClean="0"/>
-              <a:t>8/12/2018</a:t>
+              <a:t>8/13/2018</a:t>
             </a:fld>
             <a:endParaRPr lang="en-US"/>
           </a:p>
@@ -4461,7 +7145,7 @@
           <a:p>
             <a:fld id="{3FBB3453-B19B-49F8-8325-D30B26033753}" type="datetimeFigureOut">
               <a:rPr lang="en-US" smtClean="0"/>
-              <a:t>8/12/2018</a:t>
+              <a:t>8/13/2018</a:t>
             </a:fld>
             <a:endParaRPr lang="en-US"/>
           </a:p>
@@ -4734,7 +7418,7 @@
           <a:p>
             <a:fld id="{3FBB3453-B19B-49F8-8325-D30B26033753}" type="datetimeFigureOut">
               <a:rPr lang="en-US" smtClean="0"/>
-              <a:t>8/12/2018</a:t>
+              <a:t>8/13/2018</a:t>
             </a:fld>
             <a:endParaRPr lang="en-US"/>
           </a:p>
@@ -5015,7 +7699,7 @@
           <a:p>
             <a:fld id="{3FBB3453-B19B-49F8-8325-D30B26033753}" type="datetimeFigureOut">
               <a:rPr lang="en-US" smtClean="0"/>
-              <a:t>8/12/2018</a:t>
+              <a:t>8/13/2018</a:t>
             </a:fld>
             <a:endParaRPr lang="en-US"/>
           </a:p>
@@ -5255,7 +7939,7 @@
           <a:p>
             <a:fld id="{3FBB3453-B19B-49F8-8325-D30B26033753}" type="datetimeFigureOut">
               <a:rPr lang="en-US" smtClean="0"/>
-              <a:t>8/12/2018</a:t>
+              <a:t>8/13/2018</a:t>
             </a:fld>
             <a:endParaRPr lang="en-US"/>
           </a:p>
@@ -5891,6 +8575,87 @@
 </p:sld>
 </file>
 
+<file path=ppt/slides/slide10.xml><?xml version="1.0" encoding="utf-8"?>
+<p:sld xmlns:a="http://schemas.openxmlformats.org/drawingml/2006/main" xmlns:r="http://schemas.openxmlformats.org/officeDocument/2006/relationships" xmlns:p="http://schemas.openxmlformats.org/presentationml/2006/main">
+  <p:cSld>
+    <p:spTree>
+      <p:nvGrpSpPr>
+        <p:cNvPr id="1" name=""/>
+        <p:cNvGrpSpPr/>
+        <p:nvPr/>
+      </p:nvGrpSpPr>
+      <p:grpSpPr>
+        <a:xfrm>
+          <a:off x="0" y="0"/>
+          <a:ext cx="0" cy="0"/>
+          <a:chOff x="0" y="0"/>
+          <a:chExt cx="0" cy="0"/>
+        </a:xfrm>
+      </p:grpSpPr>
+      <p:sp>
+        <p:nvSpPr>
+          <p:cNvPr id="2" name="Title 1"/>
+          <p:cNvSpPr>
+            <a:spLocks noGrp="1"/>
+          </p:cNvSpPr>
+          <p:nvPr>
+            <p:ph type="title"/>
+          </p:nvPr>
+        </p:nvSpPr>
+        <p:spPr/>
+        <p:txBody>
+          <a:bodyPr/>
+          <a:lstStyle/>
+          <a:p>
+            <a:r>
+              <a:rPr lang="en-US" dirty="0" smtClean="0"/>
+              <a:t>Thank you!</a:t>
+            </a:r>
+            <a:endParaRPr lang="en-US" dirty="0"/>
+          </a:p>
+        </p:txBody>
+      </p:sp>
+      <p:sp>
+        <p:nvSpPr>
+          <p:cNvPr id="3" name="Content Placeholder 2"/>
+          <p:cNvSpPr>
+            <a:spLocks noGrp="1"/>
+          </p:cNvSpPr>
+          <p:nvPr>
+            <p:ph idx="1"/>
+          </p:nvPr>
+        </p:nvSpPr>
+        <p:spPr>
+          <a:xfrm>
+            <a:off x="1120000" y="1825625"/>
+            <a:ext cx="10233800" cy="867699"/>
+          </a:xfrm>
+        </p:spPr>
+        <p:txBody>
+          <a:bodyPr/>
+          <a:lstStyle/>
+          <a:p>
+            <a:r>
+              <a:rPr lang="en-US" dirty="0" smtClean="0"/>
+              <a:t>Questions?</a:t>
+            </a:r>
+            <a:endParaRPr lang="en-US" dirty="0"/>
+          </a:p>
+        </p:txBody>
+      </p:sp>
+    </p:spTree>
+    <p:extLst>
+      <p:ext uri="{BB962C8B-B14F-4D97-AF65-F5344CB8AC3E}">
+        <p14:creationId xmlns:p14="http://schemas.microsoft.com/office/powerpoint/2010/main" val="1799319212"/>
+      </p:ext>
+    </p:extLst>
+  </p:cSld>
+  <p:clrMapOvr>
+    <a:masterClrMapping/>
+  </p:clrMapOvr>
+</p:sld>
+</file>
+
 <file path=ppt/slides/slide2.xml><?xml version="1.0" encoding="utf-8"?>
 <p:sld xmlns:a="http://schemas.openxmlformats.org/drawingml/2006/main" xmlns:r="http://schemas.openxmlformats.org/officeDocument/2006/relationships" xmlns:p="http://schemas.openxmlformats.org/presentationml/2006/main">
   <p:cSld>
@@ -5956,14 +8721,42 @@
           <a:lstStyle/>
           <a:p>
             <a:r>
+              <a:rPr lang="en-US" b="1" dirty="0" smtClean="0"/>
+              <a:t>Goal:</a:t>
+            </a:r>
+            <a:r>
               <a:rPr lang="en-US" dirty="0" smtClean="0"/>
-              <a:t>Mission (wording?): Break Playfair encryption with pseudo-brute force and annealing algorithm</a:t>
-            </a:r>
-          </a:p>
-          <a:p>
+              <a:t> Break </a:t>
+            </a:r>
             <a:r>
               <a:rPr lang="en-US" dirty="0" smtClean="0"/>
-              <a:t>Inspiration: Randall used a great analyzing algorithm in first assignment and we wanted to build around that</a:t>
+              <a:t>Playfair encryption with </a:t>
+            </a:r>
+            <a:r>
+              <a:rPr lang="en-US" dirty="0" smtClean="0"/>
+              <a:t>narrowly-focused brute </a:t>
+            </a:r>
+            <a:r>
+              <a:rPr lang="en-US" dirty="0" smtClean="0"/>
+              <a:t>force </a:t>
+            </a:r>
+            <a:r>
+              <a:rPr lang="en-US" dirty="0" smtClean="0"/>
+              <a:t>method using an annealing </a:t>
+            </a:r>
+            <a:r>
+              <a:rPr lang="en-US" dirty="0" smtClean="0"/>
+              <a:t>algorithm</a:t>
+            </a:r>
+          </a:p>
+          <a:p>
+            <a:r>
+              <a:rPr lang="en-US" b="1" dirty="0" smtClean="0"/>
+              <a:t>Inspiration:</a:t>
+            </a:r>
+            <a:r>
+              <a:rPr lang="en-US" dirty="0" smtClean="0"/>
+              <a:t> Randall used a great analyzing algorithm in first assignment and we wanted to build around that</a:t>
             </a:r>
           </a:p>
           <a:p>
@@ -5982,7 +8775,11 @@
             <a:pPr lvl="1"/>
             <a:r>
               <a:rPr lang="en-US" dirty="0" smtClean="0"/>
-              <a:t> High level explanation</a:t>
+              <a:t>High </a:t>
+            </a:r>
+            <a:r>
+              <a:rPr lang="en-US" dirty="0" smtClean="0"/>
+              <a:t>level explanation</a:t>
             </a:r>
           </a:p>
           <a:p>
@@ -6086,22 +8883,236 @@
             <p:ph idx="1"/>
           </p:nvPr>
         </p:nvSpPr>
-        <p:spPr/>
+        <p:spPr>
+          <a:xfrm>
+            <a:off x="1120000" y="1825625"/>
+            <a:ext cx="10233800" cy="551815"/>
+          </a:xfrm>
+        </p:spPr>
         <p:txBody>
           <a:bodyPr/>
           <a:lstStyle/>
           <a:p>
             <a:r>
               <a:rPr lang="en-US" dirty="0"/>
-              <a:t>Technologies used: C#, libraries?</a:t>
-            </a:r>
-          </a:p>
-          <a:p>
+              <a:t>Technologies used: </a:t>
+            </a:r>
             <a:r>
               <a:rPr lang="en-US" dirty="0" smtClean="0"/>
-              <a:t>Cool arrows and such showing how it works</a:t>
+              <a:t>C#</a:t>
+            </a:r>
+          </a:p>
+        </p:txBody>
+      </p:sp>
+      <p:graphicFrame>
+        <p:nvGraphicFramePr>
+          <p:cNvPr id="17" name="Diagram 16"/>
+          <p:cNvGraphicFramePr/>
+          <p:nvPr>
+            <p:extLst>
+              <p:ext uri="{D42A27DB-BD31-4B8C-83A1-F6EECF244321}">
+                <p14:modId xmlns:p14="http://schemas.microsoft.com/office/powerpoint/2010/main" val="1971654833"/>
+              </p:ext>
+            </p:extLst>
+          </p:nvPr>
+        </p:nvGraphicFramePr>
+        <p:xfrm>
+          <a:off x="2812134" y="2593129"/>
+          <a:ext cx="5867400" cy="3911600"/>
+        </p:xfrm>
+        <a:graphic>
+          <a:graphicData uri="http://schemas.openxmlformats.org/drawingml/2006/diagram">
+            <dgm:relIds xmlns:dgm="http://schemas.openxmlformats.org/drawingml/2006/diagram" xmlns:r="http://schemas.openxmlformats.org/officeDocument/2006/relationships" r:dm="rId2" r:lo="rId3" r:qs="rId4" r:cs="rId5"/>
+          </a:graphicData>
+        </a:graphic>
+      </p:graphicFrame>
+      <p:sp>
+        <p:nvSpPr>
+          <p:cNvPr id="18" name="Flowchart: Internal Storage 17"/>
+          <p:cNvSpPr/>
+          <p:nvPr/>
+        </p:nvSpPr>
+        <p:spPr>
+          <a:xfrm>
+            <a:off x="537066" y="2502217"/>
+            <a:ext cx="2275068" cy="2649023"/>
+          </a:xfrm>
+          <a:prstGeom prst="flowChartInternalStorage">
+            <a:avLst/>
+          </a:prstGeom>
+        </p:spPr>
+        <p:style>
+          <a:lnRef idx="2">
+            <a:schemeClr val="accent1">
+              <a:shade val="50000"/>
+            </a:schemeClr>
+          </a:lnRef>
+          <a:fillRef idx="1">
+            <a:schemeClr val="accent1"/>
+          </a:fillRef>
+          <a:effectRef idx="0">
+            <a:schemeClr val="accent1"/>
+          </a:effectRef>
+          <a:fontRef idx="minor">
+            <a:schemeClr val="lt1"/>
+          </a:fontRef>
+        </p:style>
+        <p:txBody>
+          <a:bodyPr rtlCol="0" anchor="ctr"/>
+          <a:lstStyle/>
+          <a:p>
+            <a:pPr algn="ctr"/>
+            <a:r>
+              <a:rPr lang="en-US" dirty="0" smtClean="0"/>
+              <a:t>Ciphertext</a:t>
             </a:r>
             <a:endParaRPr lang="en-US" dirty="0"/>
+          </a:p>
+        </p:txBody>
+      </p:sp>
+      <p:sp>
+        <p:nvSpPr>
+          <p:cNvPr id="19" name="Flowchart: Internal Storage 18"/>
+          <p:cNvSpPr/>
+          <p:nvPr/>
+        </p:nvSpPr>
+        <p:spPr>
+          <a:xfrm>
+            <a:off x="8679534" y="2502218"/>
+            <a:ext cx="2275068" cy="2649023"/>
+          </a:xfrm>
+          <a:prstGeom prst="flowChartInternalStorage">
+            <a:avLst/>
+          </a:prstGeom>
+        </p:spPr>
+        <p:style>
+          <a:lnRef idx="2">
+            <a:schemeClr val="accent1">
+              <a:shade val="50000"/>
+            </a:schemeClr>
+          </a:lnRef>
+          <a:fillRef idx="1">
+            <a:schemeClr val="accent1"/>
+          </a:fillRef>
+          <a:effectRef idx="0">
+            <a:schemeClr val="accent1"/>
+          </a:effectRef>
+          <a:fontRef idx="minor">
+            <a:schemeClr val="lt1"/>
+          </a:fontRef>
+        </p:style>
+        <p:txBody>
+          <a:bodyPr rtlCol="0" anchor="ctr"/>
+          <a:lstStyle/>
+          <a:p>
+            <a:pPr marL="285750" indent="-285750">
+              <a:buFontTx/>
+              <a:buChar char="-"/>
+            </a:pPr>
+            <a:r>
+              <a:rPr lang="en-US" dirty="0" smtClean="0"/>
+              <a:t>Final translation</a:t>
+            </a:r>
+          </a:p>
+          <a:p>
+            <a:pPr marL="285750" indent="-285750">
+              <a:buFontTx/>
+              <a:buChar char="-"/>
+            </a:pPr>
+            <a:r>
+              <a:rPr lang="en-US" dirty="0" smtClean="0"/>
+              <a:t>Key </a:t>
+            </a:r>
+          </a:p>
+          <a:p>
+            <a:pPr marL="285750" indent="-285750">
+              <a:buFontTx/>
+              <a:buChar char="-"/>
+            </a:pPr>
+            <a:r>
+              <a:rPr lang="en-US" dirty="0" smtClean="0"/>
+              <a:t>Fitness score</a:t>
+            </a:r>
+          </a:p>
+        </p:txBody>
+      </p:sp>
+      <p:sp>
+        <p:nvSpPr>
+          <p:cNvPr id="23" name="Right Arrow 22"/>
+          <p:cNvSpPr/>
+          <p:nvPr/>
+        </p:nvSpPr>
+        <p:spPr>
+          <a:xfrm>
+            <a:off x="2971800" y="3195374"/>
+            <a:ext cx="1430867" cy="609600"/>
+          </a:xfrm>
+          <a:prstGeom prst="rightArrow">
+            <a:avLst/>
+          </a:prstGeom>
+        </p:spPr>
+        <p:style>
+          <a:lnRef idx="2">
+            <a:schemeClr val="accent1">
+              <a:shade val="50000"/>
+            </a:schemeClr>
+          </a:lnRef>
+          <a:fillRef idx="1">
+            <a:schemeClr val="accent1"/>
+          </a:fillRef>
+          <a:effectRef idx="0">
+            <a:schemeClr val="accent1"/>
+          </a:effectRef>
+          <a:fontRef idx="minor">
+            <a:schemeClr val="lt1"/>
+          </a:fontRef>
+        </p:style>
+        <p:txBody>
+          <a:bodyPr rtlCol="0" anchor="ctr"/>
+          <a:lstStyle/>
+          <a:p>
+            <a:pPr algn="ctr"/>
+            <a:endParaRPr lang="en-US"/>
+          </a:p>
+        </p:txBody>
+      </p:sp>
+      <p:sp>
+        <p:nvSpPr>
+          <p:cNvPr id="24" name="Right Arrow 23"/>
+          <p:cNvSpPr/>
+          <p:nvPr/>
+        </p:nvSpPr>
+        <p:spPr>
+          <a:xfrm>
+            <a:off x="6963201" y="3119174"/>
+            <a:ext cx="1430867" cy="609600"/>
+          </a:xfrm>
+          <a:prstGeom prst="rightArrow">
+            <a:avLst/>
+          </a:prstGeom>
+        </p:spPr>
+        <p:style>
+          <a:lnRef idx="2">
+            <a:schemeClr val="accent1">
+              <a:shade val="50000"/>
+            </a:schemeClr>
+          </a:lnRef>
+          <a:fillRef idx="1">
+            <a:schemeClr val="accent1"/>
+          </a:fillRef>
+          <a:effectRef idx="0">
+            <a:schemeClr val="accent1"/>
+          </a:effectRef>
+          <a:fontRef idx="minor">
+            <a:schemeClr val="lt1"/>
+          </a:fontRef>
+        </p:style>
+        <p:txBody>
+          <a:bodyPr rtlCol="0" anchor="ctr"/>
+          <a:lstStyle/>
+          <a:p>
+            <a:pPr algn="ctr"/>
+            <a:endParaRPr lang="en-US"/>
           </a:p>
         </p:txBody>
       </p:sp>
@@ -6181,8 +9192,111 @@
           <a:lstStyle/>
           <a:p>
             <a:r>
+              <a:rPr lang="en-US" dirty="0" err="1" smtClean="0"/>
+              <a:t>Program.cs</a:t>
+            </a:r>
+            <a:endParaRPr lang="en-US" dirty="0" smtClean="0"/>
+          </a:p>
+          <a:p>
+            <a:pPr lvl="1"/>
+            <a:r>
               <a:rPr lang="en-US" dirty="0" smtClean="0"/>
-              <a:t>Class-level explanations with functions (maybe multiple slides)</a:t>
+              <a:t>Console I/O, looping for input</a:t>
+            </a:r>
+          </a:p>
+          <a:p>
+            <a:r>
+              <a:rPr lang="en-US" dirty="0" smtClean="0"/>
+              <a:t>Playfair</a:t>
+            </a:r>
+          </a:p>
+          <a:p>
+            <a:pPr lvl="1"/>
+            <a:r>
+              <a:rPr lang="en-US" dirty="0" smtClean="0"/>
+              <a:t>Char arrays, Encrypt, Decrypt, building </a:t>
+            </a:r>
+            <a:r>
+              <a:rPr lang="en-US" dirty="0" err="1" smtClean="0"/>
+              <a:t>playfairArray</a:t>
+            </a:r>
+            <a:r>
+              <a:rPr lang="en-US" dirty="0" smtClean="0"/>
+              <a:t>, cleaning input</a:t>
+            </a:r>
+          </a:p>
+          <a:p>
+            <a:r>
+              <a:rPr lang="en-US" dirty="0" smtClean="0"/>
+              <a:t>Analysis</a:t>
+            </a:r>
+          </a:p>
+          <a:p>
+            <a:pPr lvl="1"/>
+            <a:r>
+              <a:rPr lang="en-US" dirty="0" smtClean="0"/>
+              <a:t>Compare text to trigraphs and digraphs, score accordingly</a:t>
+            </a:r>
+          </a:p>
+          <a:p>
+            <a:pPr lvl="1"/>
+            <a:r>
+              <a:rPr lang="en-US" dirty="0" smtClean="0"/>
+              <a:t>“the”, “and”, “</a:t>
+            </a:r>
+            <a:r>
+              <a:rPr lang="en-US" dirty="0" err="1" smtClean="0"/>
+              <a:t>ent</a:t>
+            </a:r>
+            <a:r>
+              <a:rPr lang="en-US" dirty="0" smtClean="0"/>
+              <a:t>”, “</a:t>
+            </a:r>
+            <a:r>
+              <a:rPr lang="en-US" dirty="0" err="1" smtClean="0"/>
+              <a:t>tio</a:t>
+            </a:r>
+            <a:r>
+              <a:rPr lang="en-US" dirty="0" smtClean="0"/>
+              <a:t>”; “</a:t>
+            </a:r>
+            <a:r>
+              <a:rPr lang="en-US" dirty="0" err="1" smtClean="0"/>
+              <a:t>th</a:t>
+            </a:r>
+            <a:r>
+              <a:rPr lang="en-US" dirty="0" smtClean="0"/>
+              <a:t>”, “</a:t>
+            </a:r>
+            <a:r>
+              <a:rPr lang="en-US" dirty="0" err="1" smtClean="0"/>
+              <a:t>ea</a:t>
+            </a:r>
+            <a:r>
+              <a:rPr lang="en-US" dirty="0" smtClean="0"/>
+              <a:t>”, “in”, “</a:t>
+            </a:r>
+            <a:r>
+              <a:rPr lang="en-US" dirty="0" err="1" smtClean="0"/>
+              <a:t>nd</a:t>
+            </a:r>
+            <a:r>
+              <a:rPr lang="en-US" dirty="0" smtClean="0"/>
+              <a:t>”, “an” </a:t>
+            </a:r>
+          </a:p>
+          <a:p>
+            <a:r>
+              <a:rPr lang="en-US" dirty="0" err="1" smtClean="0"/>
+              <a:t>AnnealingAlgorithm</a:t>
+            </a:r>
+            <a:endParaRPr lang="en-US" dirty="0" smtClean="0"/>
+          </a:p>
+          <a:p>
+            <a:pPr lvl="1"/>
+            <a:r>
+              <a:rPr lang="en-US" dirty="0" smtClean="0"/>
+              <a:t>Named after the annealing of metal</a:t>
             </a:r>
             <a:endParaRPr lang="en-US" dirty="0"/>
           </a:p>
@@ -6241,6 +9355,400 @@
           <a:lstStyle/>
           <a:p>
             <a:r>
+              <a:rPr lang="en-US" dirty="0" err="1"/>
+              <a:t>AnnealingAlgorithm</a:t>
+            </a:r>
+            <a:endParaRPr lang="en-US" dirty="0"/>
+          </a:p>
+        </p:txBody>
+      </p:sp>
+      <p:pic>
+        <p:nvPicPr>
+          <p:cNvPr id="17" name="Picture 16"/>
+          <p:cNvPicPr>
+            <a:picLocks noChangeAspect="1"/>
+          </p:cNvPicPr>
+          <p:nvPr/>
+        </p:nvPicPr>
+        <p:blipFill>
+          <a:blip r:embed="rId2">
+            <a:extLst>
+              <a:ext uri="{28A0092B-C50C-407E-A947-70E740481C1C}">
+                <a14:useLocalDpi xmlns:a14="http://schemas.microsoft.com/office/drawing/2010/main" val="0"/>
+              </a:ext>
+            </a:extLst>
+          </a:blip>
+          <a:stretch>
+            <a:fillRect/>
+          </a:stretch>
+        </p:blipFill>
+        <p:spPr>
+          <a:xfrm>
+            <a:off x="7481455" y="1352896"/>
+            <a:ext cx="3872345" cy="2946350"/>
+          </a:xfrm>
+          <a:prstGeom prst="rect">
+            <a:avLst/>
+          </a:prstGeom>
+        </p:spPr>
+      </p:pic>
+      <p:sp>
+        <p:nvSpPr>
+          <p:cNvPr id="18" name="Content Placeholder 2"/>
+          <p:cNvSpPr>
+            <a:spLocks noGrp="1"/>
+          </p:cNvSpPr>
+          <p:nvPr>
+            <p:ph idx="1"/>
+          </p:nvPr>
+        </p:nvSpPr>
+        <p:spPr>
+          <a:xfrm>
+            <a:off x="838200" y="1609494"/>
+            <a:ext cx="6643255" cy="4351338"/>
+          </a:xfrm>
+        </p:spPr>
+        <p:txBody>
+          <a:bodyPr>
+            <a:normAutofit/>
+          </a:bodyPr>
+          <a:lstStyle/>
+          <a:p>
+            <a:r>
+              <a:rPr lang="en-US" dirty="0" smtClean="0"/>
+              <a:t>”Hill </a:t>
+            </a:r>
+            <a:r>
+              <a:rPr lang="en-US" dirty="0"/>
+              <a:t>climbing </a:t>
+            </a:r>
+            <a:r>
+              <a:rPr lang="en-US" dirty="0" smtClean="0"/>
+              <a:t>algorithm”</a:t>
+            </a:r>
+            <a:endParaRPr lang="en-US" dirty="0" smtClean="0"/>
+          </a:p>
+          <a:p>
+            <a:r>
+              <a:rPr lang="en-US" dirty="0" smtClean="0"/>
+              <a:t>Base decryption with random key</a:t>
+            </a:r>
+          </a:p>
+          <a:p>
+            <a:r>
+              <a:rPr lang="en-US" dirty="0" smtClean="0"/>
+              <a:t>Scores with analysis</a:t>
+            </a:r>
+          </a:p>
+          <a:p>
+            <a:r>
+              <a:rPr lang="en-US" dirty="0" smtClean="0"/>
+              <a:t>Mutate key</a:t>
+            </a:r>
+          </a:p>
+          <a:p>
+            <a:r>
+              <a:rPr lang="en-US" dirty="0" smtClean="0"/>
+              <a:t>Score again</a:t>
+            </a:r>
+          </a:p>
+          <a:p>
+            <a:r>
+              <a:rPr lang="en-US" dirty="0" smtClean="0"/>
+              <a:t>If score is higher tha</a:t>
+            </a:r>
+            <a:r>
+              <a:rPr lang="en-US" dirty="0" smtClean="0"/>
+              <a:t>n previous, keep key</a:t>
+            </a:r>
+          </a:p>
+          <a:p>
+            <a:r>
+              <a:rPr lang="en-US" dirty="0" smtClean="0"/>
+              <a:t>Mutate key</a:t>
+            </a:r>
+          </a:p>
+          <a:p>
+            <a:r>
+              <a:rPr lang="en-US" dirty="0" smtClean="0"/>
+              <a:t>Score again</a:t>
+            </a:r>
+          </a:p>
+          <a:p>
+            <a:endParaRPr lang="en-US" dirty="0" smtClean="0"/>
+          </a:p>
+        </p:txBody>
+      </p:sp>
+    </p:spTree>
+    <p:extLst>
+      <p:ext uri="{BB962C8B-B14F-4D97-AF65-F5344CB8AC3E}">
+        <p14:creationId xmlns:p14="http://schemas.microsoft.com/office/powerpoint/2010/main" val="3833763213"/>
+      </p:ext>
+    </p:extLst>
+  </p:cSld>
+  <p:clrMapOvr>
+    <a:masterClrMapping/>
+  </p:clrMapOvr>
+</p:sld>
+</file>
+
+<file path=ppt/slides/slide6.xml><?xml version="1.0" encoding="utf-8"?>
+<p:sld xmlns:a="http://schemas.openxmlformats.org/drawingml/2006/main" xmlns:r="http://schemas.openxmlformats.org/officeDocument/2006/relationships" xmlns:p="http://schemas.openxmlformats.org/presentationml/2006/main">
+  <p:cSld>
+    <p:spTree>
+      <p:nvGrpSpPr>
+        <p:cNvPr id="1" name=""/>
+        <p:cNvGrpSpPr/>
+        <p:nvPr/>
+      </p:nvGrpSpPr>
+      <p:grpSpPr>
+        <a:xfrm>
+          <a:off x="0" y="0"/>
+          <a:ext cx="0" cy="0"/>
+          <a:chOff x="0" y="0"/>
+          <a:chExt cx="0" cy="0"/>
+        </a:xfrm>
+      </p:grpSpPr>
+      <p:sp>
+        <p:nvSpPr>
+          <p:cNvPr id="2" name="Title 1"/>
+          <p:cNvSpPr>
+            <a:spLocks noGrp="1"/>
+          </p:cNvSpPr>
+          <p:nvPr>
+            <p:ph type="title"/>
+          </p:nvPr>
+        </p:nvSpPr>
+        <p:spPr/>
+        <p:txBody>
+          <a:bodyPr/>
+          <a:lstStyle/>
+          <a:p>
+            <a:r>
+              <a:rPr lang="en-US" dirty="0" err="1"/>
+              <a:t>AnnealingAlgorithm</a:t>
+            </a:r>
+            <a:endParaRPr lang="en-US" dirty="0"/>
+          </a:p>
+        </p:txBody>
+      </p:sp>
+      <mc:AlternateContent xmlns:mc="http://schemas.openxmlformats.org/markup-compatibility/2006">
+        <mc:Choice xmlns:a14="http://schemas.microsoft.com/office/drawing/2010/main" Requires="a14">
+          <p:sp>
+            <p:nvSpPr>
+              <p:cNvPr id="3" name="Content Placeholder 2"/>
+              <p:cNvSpPr>
+                <a:spLocks noGrp="1"/>
+              </p:cNvSpPr>
+              <p:nvPr>
+                <p:ph idx="1"/>
+              </p:nvPr>
+            </p:nvSpPr>
+            <p:spPr/>
+            <p:txBody>
+              <a:bodyPr/>
+              <a:lstStyle/>
+              <a:p>
+                <a:r>
+                  <a:rPr lang="en-US" dirty="0" smtClean="0"/>
+                  <a:t>Early on, randomly allow bad mutations to survive</a:t>
+                </a:r>
+              </a:p>
+              <a:p>
+                <a:pPr lvl="1"/>
+                <a:r>
+                  <a:rPr lang="en-US" dirty="0" smtClean="0"/>
+                  <a:t>Reduces chances of getting “stuck”</a:t>
+                </a:r>
+              </a:p>
+              <a:p>
+                <a:r>
+                  <a:rPr lang="en-US" dirty="0" smtClean="0"/>
+                  <a:t>Annealing portion allows “bad” mutations</a:t>
+                </a:r>
+              </a:p>
+              <a:p>
+                <a:r>
+                  <a:rPr lang="en-US" dirty="0" smtClean="0"/>
+                  <a:t>Higher fitness score and longer runtime results in fewer random mutations</a:t>
+                </a:r>
+              </a:p>
+              <a:p>
+                <a:r>
+                  <a:rPr lang="en-US" dirty="0" smtClean="0"/>
+                  <a:t>Based on probability distribution</a:t>
+                </a:r>
+                <a:endParaRPr lang="en-US" dirty="0"/>
+              </a:p>
+              <a:p>
+                <a:pPr lvl="1"/>
+                <a14:m>
+                  <m:oMath xmlns:m="http://schemas.openxmlformats.org/officeDocument/2006/math">
+                    <m:sSup>
+                      <m:sSupPr>
+                        <m:ctrlPr>
+                          <a:rPr lang="en-US" sz="3000" b="1" i="1" smtClean="0">
+                            <a:latin typeface="Cambria Math" panose="02040503050406030204" pitchFamily="18" charset="0"/>
+                          </a:rPr>
+                        </m:ctrlPr>
+                      </m:sSupPr>
+                      <m:e>
+                        <m:r>
+                          <a:rPr lang="en-US" sz="3000" b="1" i="1" smtClean="0">
+                            <a:latin typeface="Cambria Math" panose="02040503050406030204" pitchFamily="18" charset="0"/>
+                          </a:rPr>
+                          <m:t>𝒆</m:t>
+                        </m:r>
+                      </m:e>
+                      <m:sup>
+                        <m:r>
+                          <a:rPr lang="en-US" sz="3000" b="1" i="1" smtClean="0">
+                            <a:latin typeface="Cambria Math" panose="02040503050406030204" pitchFamily="18" charset="0"/>
+                          </a:rPr>
+                          <m:t>𝒇</m:t>
+                        </m:r>
+                        <m:r>
+                          <a:rPr lang="en-US" sz="3000" b="1" i="1" smtClean="0">
+                            <a:latin typeface="Cambria Math" panose="02040503050406030204" pitchFamily="18" charset="0"/>
+                          </a:rPr>
+                          <m:t>/</m:t>
+                        </m:r>
+                        <m:r>
+                          <a:rPr lang="en-US" sz="3000" b="1" i="1" smtClean="0">
+                            <a:latin typeface="Cambria Math" panose="02040503050406030204" pitchFamily="18" charset="0"/>
+                          </a:rPr>
+                          <m:t>𝒕</m:t>
+                        </m:r>
+                      </m:sup>
+                    </m:sSup>
+                  </m:oMath>
+                </a14:m>
+                <a:r>
+                  <a:rPr lang="en-US" dirty="0" smtClean="0"/>
+                  <a:t> | f = fitness, t = temperature</a:t>
+                </a:r>
+              </a:p>
+              <a:p>
+                <a:pPr lvl="1"/>
+                <a:r>
+                  <a:rPr lang="en-US" dirty="0" smtClean="0"/>
+                  <a:t>As t </a:t>
+                </a:r>
+                <a:r>
+                  <a:rPr lang="en-US" b="1" dirty="0" smtClean="0"/>
+                  <a:t>decreases</a:t>
+                </a:r>
+                <a:r>
+                  <a:rPr lang="en-US" dirty="0" smtClean="0"/>
+                  <a:t>, probability of choosing random mutation </a:t>
+                </a:r>
+                <a:r>
+                  <a:rPr lang="en-US" b="1" dirty="0" smtClean="0"/>
+                  <a:t>decreases</a:t>
+                </a:r>
+              </a:p>
+              <a:p>
+                <a:pPr lvl="1"/>
+                <a:r>
+                  <a:rPr lang="en-US" dirty="0" smtClean="0"/>
+                  <a:t>As f </a:t>
+                </a:r>
+                <a:r>
+                  <a:rPr lang="en-US" b="1" dirty="0" smtClean="0"/>
+                  <a:t>increases</a:t>
+                </a:r>
+                <a:r>
+                  <a:rPr lang="en-US" dirty="0" smtClean="0"/>
+                  <a:t>, probability of choosing random mutation </a:t>
+                </a:r>
+                <a:r>
+                  <a:rPr lang="en-US" b="1" dirty="0" smtClean="0"/>
+                  <a:t>decreases</a:t>
+                </a:r>
+              </a:p>
+            </p:txBody>
+          </p:sp>
+        </mc:Choice>
+        <mc:Fallback>
+          <p:sp>
+            <p:nvSpPr>
+              <p:cNvPr id="3" name="Content Placeholder 2"/>
+              <p:cNvSpPr>
+                <a:spLocks noGrp="1" noRot="1" noChangeAspect="1" noMove="1" noResize="1" noEditPoints="1" noAdjustHandles="1" noChangeArrowheads="1" noChangeShapeType="1" noTextEdit="1"/>
+              </p:cNvSpPr>
+              <p:nvPr>
+                <p:ph idx="1"/>
+              </p:nvPr>
+            </p:nvSpPr>
+            <p:spPr>
+              <a:blipFill rotWithShape="0">
+                <a:blip r:embed="rId2"/>
+                <a:stretch>
+                  <a:fillRect/>
+                </a:stretch>
+              </a:blipFill>
+            </p:spPr>
+            <p:txBody>
+              <a:bodyPr/>
+              <a:lstStyle/>
+              <a:p>
+                <a:r>
+                  <a:rPr lang="en-US">
+                    <a:noFill/>
+                  </a:rPr>
+                  <a:t> </a:t>
+                </a:r>
+              </a:p>
+            </p:txBody>
+          </p:sp>
+        </mc:Fallback>
+      </mc:AlternateContent>
+    </p:spTree>
+    <p:extLst>
+      <p:ext uri="{BB962C8B-B14F-4D97-AF65-F5344CB8AC3E}">
+        <p14:creationId xmlns:p14="http://schemas.microsoft.com/office/powerpoint/2010/main" val="679386801"/>
+      </p:ext>
+    </p:extLst>
+  </p:cSld>
+  <p:clrMapOvr>
+    <a:masterClrMapping/>
+  </p:clrMapOvr>
+</p:sld>
+</file>
+
+<file path=ppt/slides/slide7.xml><?xml version="1.0" encoding="utf-8"?>
+<p:sld xmlns:a="http://schemas.openxmlformats.org/drawingml/2006/main" xmlns:r="http://schemas.openxmlformats.org/officeDocument/2006/relationships" xmlns:p="http://schemas.openxmlformats.org/presentationml/2006/main">
+  <p:cSld>
+    <p:spTree>
+      <p:nvGrpSpPr>
+        <p:cNvPr id="1" name=""/>
+        <p:cNvGrpSpPr/>
+        <p:nvPr/>
+      </p:nvGrpSpPr>
+      <p:grpSpPr>
+        <a:xfrm>
+          <a:off x="0" y="0"/>
+          <a:ext cx="0" cy="0"/>
+          <a:chOff x="0" y="0"/>
+          <a:chExt cx="0" cy="0"/>
+        </a:xfrm>
+      </p:grpSpPr>
+      <p:sp>
+        <p:nvSpPr>
+          <p:cNvPr id="2" name="Title 1"/>
+          <p:cNvSpPr>
+            <a:spLocks noGrp="1"/>
+          </p:cNvSpPr>
+          <p:nvPr>
+            <p:ph type="title"/>
+          </p:nvPr>
+        </p:nvSpPr>
+        <p:spPr/>
+        <p:txBody>
+          <a:bodyPr/>
+          <a:lstStyle/>
+          <a:p>
+            <a:r>
               <a:rPr lang="en-US" dirty="0" smtClean="0"/>
               <a:t>Road Blocks</a:t>
             </a:r>
@@ -6265,8 +9773,67 @@
           <a:p>
             <a:r>
               <a:rPr lang="en-US" dirty="0" smtClean="0"/>
-              <a:t>What went wrong, what did we do to workaround?</a:t>
-            </a:r>
+              <a:t>Fitness = 0</a:t>
+            </a:r>
+          </a:p>
+          <a:p>
+            <a:pPr lvl="1"/>
+            <a:r>
+              <a:rPr lang="en-US" dirty="0" smtClean="0"/>
+              <a:t>Not updating key upon mutation</a:t>
+            </a:r>
+          </a:p>
+          <a:p>
+            <a:pPr lvl="1"/>
+            <a:r>
+              <a:rPr lang="en-US" dirty="0" smtClean="0"/>
+              <a:t>Comparing uppercase to lowercase</a:t>
+            </a:r>
+          </a:p>
+          <a:p>
+            <a:r>
+              <a:rPr lang="en-US" dirty="0" smtClean="0"/>
+              <a:t>Low fitness scores</a:t>
+            </a:r>
+          </a:p>
+          <a:p>
+            <a:pPr lvl="1"/>
+            <a:r>
+              <a:rPr lang="en-US" dirty="0" smtClean="0"/>
+              <a:t>Adjusting temperature and iterations between mutation</a:t>
+            </a:r>
+          </a:p>
+          <a:p>
+            <a:pPr lvl="1"/>
+            <a:r>
+              <a:rPr lang="en-US" dirty="0" smtClean="0"/>
+              <a:t>Adjusting key length</a:t>
+            </a:r>
+            <a:endParaRPr lang="en-US" dirty="0" smtClean="0"/>
+          </a:p>
+          <a:p>
+            <a:r>
+              <a:rPr lang="en-US" dirty="0" smtClean="0"/>
+              <a:t>High iteration count ineffective</a:t>
+            </a:r>
+          </a:p>
+          <a:p>
+            <a:pPr lvl="1"/>
+            <a:r>
+              <a:rPr lang="en-US" dirty="0" smtClean="0"/>
+              <a:t>90-minute test</a:t>
+            </a:r>
+          </a:p>
+          <a:p>
+            <a:pPr marL="0" indent="0">
+              <a:buNone/>
+            </a:pPr>
+            <a:endParaRPr lang="en-US" dirty="0" smtClean="0"/>
+          </a:p>
+          <a:p>
+            <a:pPr marL="0" indent="0">
+              <a:buNone/>
+            </a:pPr>
             <a:endParaRPr lang="en-US" dirty="0"/>
           </a:p>
         </p:txBody>
@@ -6291,7 +9858,7 @@
 </p:sld>
 </file>
 
-<file path=ppt/slides/slide6.xml><?xml version="1.0" encoding="utf-8"?>
+<file path=ppt/slides/slide8.xml><?xml version="1.0" encoding="utf-8"?>
 <p:sld xmlns:a="http://schemas.openxmlformats.org/drawingml/2006/main" xmlns:r="http://schemas.openxmlformats.org/officeDocument/2006/relationships" xmlns:p="http://schemas.openxmlformats.org/presentationml/2006/main">
   <p:cSld>
     <p:spTree>
@@ -6341,22 +9908,48 @@
             <p:ph idx="1"/>
           </p:nvPr>
         </p:nvSpPr>
-        <p:spPr/>
+        <p:spPr>
+          <a:xfrm>
+            <a:off x="1120000" y="1825625"/>
+            <a:ext cx="7242604" cy="4351338"/>
+          </a:xfrm>
+        </p:spPr>
         <p:txBody>
           <a:bodyPr/>
           <a:lstStyle/>
           <a:p>
             <a:r>
               <a:rPr lang="en-US" dirty="0" smtClean="0"/>
-              <a:t>Show what we ended up with</a:t>
+              <a:t>Screenshots of output (long vs short) time</a:t>
             </a:r>
           </a:p>
           <a:p>
             <a:r>
               <a:rPr lang="en-US" dirty="0" smtClean="0"/>
-              <a:t>Run console app and show output</a:t>
-            </a:r>
-            <a:endParaRPr lang="en-US" dirty="0"/>
+              <a:t>Run a short version of console</a:t>
+            </a:r>
+          </a:p>
+          <a:p>
+            <a:pPr lvl="1"/>
+            <a:r>
+              <a:rPr lang="en-US" dirty="0" smtClean="0"/>
+              <a:t>Translation</a:t>
+            </a:r>
+          </a:p>
+          <a:p>
+            <a:pPr lvl="1"/>
+            <a:r>
+              <a:rPr lang="en-US" dirty="0" smtClean="0"/>
+              <a:t>Key</a:t>
+            </a:r>
+          </a:p>
+          <a:p>
+            <a:pPr lvl="1"/>
+            <a:r>
+              <a:rPr lang="en-US" dirty="0" smtClean="0"/>
+              <a:t>Fitness</a:t>
+            </a:r>
+            <a:endParaRPr lang="en-US" dirty="0" smtClean="0"/>
           </a:p>
         </p:txBody>
       </p:sp>
@@ -6380,7 +9973,7 @@
 </p:sld>
 </file>
 
-<file path=ppt/slides/slide7.xml><?xml version="1.0" encoding="utf-8"?>
+<file path=ppt/slides/slide9.xml><?xml version="1.0" encoding="utf-8"?>
 <p:sld xmlns:a="http://schemas.openxmlformats.org/drawingml/2006/main" xmlns:r="http://schemas.openxmlformats.org/officeDocument/2006/relationships" xmlns:p="http://schemas.openxmlformats.org/presentationml/2006/main">
   <p:cSld>
     <p:spTree>
@@ -6441,27 +10034,70 @@
             </a:r>
             <a:r>
               <a:rPr lang="en-US" dirty="0" smtClean="0"/>
-              <a:t>hat we would have done different</a:t>
-            </a:r>
-          </a:p>
-          <a:p>
+              <a:t>hat we would have done </a:t>
+            </a:r>
             <a:r>
               <a:rPr lang="en-US" dirty="0" smtClean="0"/>
-              <a:t>What technologies would help</a:t>
-            </a:r>
-          </a:p>
-          <a:p>
+              <a:t>different</a:t>
+            </a:r>
+          </a:p>
+          <a:p>
+            <a:pPr lvl="1"/>
             <a:r>
               <a:rPr lang="en-US" dirty="0" smtClean="0"/>
-              <a:t>A.I. seems to be the choice here</a:t>
-            </a:r>
-          </a:p>
-          <a:p>
+              <a:t>Different breaking techniques</a:t>
+            </a:r>
+          </a:p>
+          <a:p>
+            <a:pPr lvl="1"/>
             <a:r>
               <a:rPr lang="en-US" dirty="0" smtClean="0"/>
-              <a:t>What else?</a:t>
-            </a:r>
-            <a:endParaRPr lang="en-US" dirty="0"/>
+              <a:t>Same algorithm, different encryption method</a:t>
+            </a:r>
+            <a:endParaRPr lang="en-US" dirty="0" smtClean="0"/>
+          </a:p>
+          <a:p>
+            <a:r>
+              <a:rPr lang="en-US" dirty="0" smtClean="0"/>
+              <a:t>What technologies would </a:t>
+            </a:r>
+            <a:r>
+              <a:rPr lang="en-US" dirty="0" smtClean="0"/>
+              <a:t>help</a:t>
+            </a:r>
+          </a:p>
+          <a:p>
+            <a:pPr lvl="1"/>
+            <a:r>
+              <a:rPr lang="en-US" dirty="0" err="1" smtClean="0"/>
+              <a:t>Tensorflow</a:t>
+            </a:r>
+            <a:endParaRPr lang="en-US" dirty="0" smtClean="0"/>
+          </a:p>
+          <a:p>
+            <a:pPr lvl="1"/>
+            <a:r>
+              <a:rPr lang="en-US" dirty="0" smtClean="0"/>
+              <a:t>A.I. seems to be the choice </a:t>
+            </a:r>
+            <a:r>
+              <a:rPr lang="en-US" dirty="0" smtClean="0"/>
+              <a:t>here</a:t>
+            </a:r>
+          </a:p>
+          <a:p>
+            <a:r>
+              <a:rPr lang="en-US" dirty="0" smtClean="0"/>
+              <a:t>Lessons learned</a:t>
+            </a:r>
+          </a:p>
+          <a:p>
+            <a:pPr lvl="1"/>
+            <a:r>
+              <a:rPr lang="en-US" dirty="0" smtClean="0"/>
+              <a:t>Playfair implementation, annealing algorithm, ease of Playfair use versus difficulty to crack, analysis of decryption, character frequency use</a:t>
+            </a:r>
+            <a:endParaRPr lang="en-US" dirty="0" smtClean="0"/>
           </a:p>
         </p:txBody>
       </p:sp>

--- a/Final_Presentation.pptx
+++ b/Final_Presentation.pptx
@@ -1001,6 +1001,13 @@
         </dgm:presLayoutVars>
       </dgm:prSet>
       <dgm:spPr/>
+      <dgm:t>
+        <a:bodyPr/>
+        <a:lstStyle/>
+        <a:p>
+          <a:endParaRPr lang="en-US"/>
+        </a:p>
+      </dgm:t>
     </dgm:pt>
     <dgm:pt modelId="{079CEEB1-01A1-4A77-B6E1-EA4790FDA235}" type="pres">
       <dgm:prSet presAssocID="{4A461211-3D07-4465-806D-10BB0E4FE9E8}" presName="node" presStyleLbl="node1" presStyleIdx="0" presStyleCnt="3" custRadScaleRad="101303" custRadScaleInc="541">
@@ -1020,10 +1027,24 @@
     <dgm:pt modelId="{B4879E9B-36F3-4AEA-90BF-9D3C10E3A788}" type="pres">
       <dgm:prSet presAssocID="{B8EF0B21-4E9C-47F0-8092-A53E5EA4A498}" presName="sibTrans" presStyleLbl="sibTrans2D1" presStyleIdx="0" presStyleCnt="3"/>
       <dgm:spPr/>
+      <dgm:t>
+        <a:bodyPr/>
+        <a:lstStyle/>
+        <a:p>
+          <a:endParaRPr lang="en-US"/>
+        </a:p>
+      </dgm:t>
     </dgm:pt>
     <dgm:pt modelId="{BD98F67B-DEC7-40CC-99F4-74040632297F}" type="pres">
       <dgm:prSet presAssocID="{B8EF0B21-4E9C-47F0-8092-A53E5EA4A498}" presName="connectorText" presStyleLbl="sibTrans2D1" presStyleIdx="0" presStyleCnt="3"/>
       <dgm:spPr/>
+      <dgm:t>
+        <a:bodyPr/>
+        <a:lstStyle/>
+        <a:p>
+          <a:endParaRPr lang="en-US"/>
+        </a:p>
+      </dgm:t>
     </dgm:pt>
     <dgm:pt modelId="{E0D70061-08EA-4537-9EDA-F6850A0C474F}" type="pres">
       <dgm:prSet presAssocID="{A6C8C660-2756-44AC-A688-E114B04B68BF}" presName="node" presStyleLbl="node1" presStyleIdx="1" presStyleCnt="3">
@@ -1032,14 +1053,35 @@
         </dgm:presLayoutVars>
       </dgm:prSet>
       <dgm:spPr/>
+      <dgm:t>
+        <a:bodyPr/>
+        <a:lstStyle/>
+        <a:p>
+          <a:endParaRPr lang="en-US"/>
+        </a:p>
+      </dgm:t>
     </dgm:pt>
     <dgm:pt modelId="{19868D4B-2179-4E67-932C-6EA567EBC97C}" type="pres">
       <dgm:prSet presAssocID="{06660E28-B043-4878-A6B4-4BE99C846822}" presName="sibTrans" presStyleLbl="sibTrans2D1" presStyleIdx="1" presStyleCnt="3"/>
       <dgm:spPr/>
+      <dgm:t>
+        <a:bodyPr/>
+        <a:lstStyle/>
+        <a:p>
+          <a:endParaRPr lang="en-US"/>
+        </a:p>
+      </dgm:t>
     </dgm:pt>
     <dgm:pt modelId="{46B826E3-26F2-4405-AB73-6D87C6801704}" type="pres">
       <dgm:prSet presAssocID="{06660E28-B043-4878-A6B4-4BE99C846822}" presName="connectorText" presStyleLbl="sibTrans2D1" presStyleIdx="1" presStyleCnt="3"/>
       <dgm:spPr/>
+      <dgm:t>
+        <a:bodyPr/>
+        <a:lstStyle/>
+        <a:p>
+          <a:endParaRPr lang="en-US"/>
+        </a:p>
+      </dgm:t>
     </dgm:pt>
     <dgm:pt modelId="{48F20608-A56C-4AAE-93EC-C6968C34FA44}" type="pres">
       <dgm:prSet presAssocID="{D9B26122-41E5-48D0-B65D-377F5873D9D0}" presName="node" presStyleLbl="node1" presStyleIdx="2" presStyleCnt="3">
@@ -1059,10 +1101,24 @@
     <dgm:pt modelId="{665AA246-8A7D-40A3-9206-7BE43F7DD10B}" type="pres">
       <dgm:prSet presAssocID="{DDBD3D8C-6AE5-47AB-B86C-FC72225AC040}" presName="sibTrans" presStyleLbl="sibTrans2D1" presStyleIdx="2" presStyleCnt="3"/>
       <dgm:spPr/>
+      <dgm:t>
+        <a:bodyPr/>
+        <a:lstStyle/>
+        <a:p>
+          <a:endParaRPr lang="en-US"/>
+        </a:p>
+      </dgm:t>
     </dgm:pt>
     <dgm:pt modelId="{00084EE1-73FA-4357-8434-5E53D963C1F1}" type="pres">
       <dgm:prSet presAssocID="{DDBD3D8C-6AE5-47AB-B86C-FC72225AC040}" presName="connectorText" presStyleLbl="sibTrans2D1" presStyleIdx="2" presStyleCnt="3"/>
       <dgm:spPr/>
+      <dgm:t>
+        <a:bodyPr/>
+        <a:lstStyle/>
+        <a:p>
+          <a:endParaRPr lang="en-US"/>
+        </a:p>
+      </dgm:t>
     </dgm:pt>
   </dgm:ptLst>
   <dgm:cxnLst>
@@ -2993,7 +3049,7 @@
           <a:p>
             <a:fld id="{3FBB3453-B19B-49F8-8325-D30B26033753}" type="datetimeFigureOut">
               <a:rPr lang="en-US" smtClean="0"/>
-              <a:t>8/13/2018</a:t>
+              <a:t>8/14/2018</a:t>
             </a:fld>
             <a:endParaRPr lang="en-US"/>
           </a:p>
@@ -3274,7 +3330,7 @@
           <a:p>
             <a:fld id="{3FBB3453-B19B-49F8-8325-D30B26033753}" type="datetimeFigureOut">
               <a:rPr lang="en-US" smtClean="0"/>
-              <a:t>8/13/2018</a:t>
+              <a:t>8/14/2018</a:t>
             </a:fld>
             <a:endParaRPr lang="en-US"/>
           </a:p>
@@ -3466,7 +3522,7 @@
           <a:p>
             <a:fld id="{3FBB3453-B19B-49F8-8325-D30B26033753}" type="datetimeFigureOut">
               <a:rPr lang="en-US" smtClean="0"/>
-              <a:t>8/13/2018</a:t>
+              <a:t>8/14/2018</a:t>
             </a:fld>
             <a:endParaRPr lang="en-US"/>
           </a:p>
@@ -3727,7 +3783,7 @@
           <a:p>
             <a:fld id="{3FBB3453-B19B-49F8-8325-D30B26033753}" type="datetimeFigureOut">
               <a:rPr lang="en-US" smtClean="0"/>
-              <a:t>8/13/2018</a:t>
+              <a:t>8/14/2018</a:t>
             </a:fld>
             <a:endParaRPr lang="en-US"/>
           </a:p>
@@ -4153,7 +4209,7 @@
           <a:p>
             <a:fld id="{3FBB3453-B19B-49F8-8325-D30B26033753}" type="datetimeFigureOut">
               <a:rPr lang="en-US" smtClean="0"/>
-              <a:t>8/13/2018</a:t>
+              <a:t>8/14/2018</a:t>
             </a:fld>
             <a:endParaRPr lang="en-US"/>
           </a:p>
@@ -4699,7 +4755,7 @@
           <a:p>
             <a:fld id="{3FBB3453-B19B-49F8-8325-D30B26033753}" type="datetimeFigureOut">
               <a:rPr lang="en-US" smtClean="0"/>
-              <a:t>8/13/2018</a:t>
+              <a:t>8/14/2018</a:t>
             </a:fld>
             <a:endParaRPr lang="en-US"/>
           </a:p>
@@ -5530,7 +5586,7 @@
           <a:p>
             <a:fld id="{3FBB3453-B19B-49F8-8325-D30B26033753}" type="datetimeFigureOut">
               <a:rPr lang="en-US" smtClean="0"/>
-              <a:t>8/13/2018</a:t>
+              <a:t>8/14/2018</a:t>
             </a:fld>
             <a:endParaRPr lang="en-US"/>
           </a:p>
@@ -5700,7 +5756,7 @@
           <a:p>
             <a:fld id="{3FBB3453-B19B-49F8-8325-D30B26033753}" type="datetimeFigureOut">
               <a:rPr lang="en-US" smtClean="0"/>
-              <a:t>8/13/2018</a:t>
+              <a:t>8/14/2018</a:t>
             </a:fld>
             <a:endParaRPr lang="en-US"/>
           </a:p>
@@ -5880,7 +5936,7 @@
           <a:p>
             <a:fld id="{3FBB3453-B19B-49F8-8325-D30B26033753}" type="datetimeFigureOut">
               <a:rPr lang="en-US" smtClean="0"/>
-              <a:t>8/13/2018</a:t>
+              <a:t>8/14/2018</a:t>
             </a:fld>
             <a:endParaRPr lang="en-US"/>
           </a:p>
@@ -6050,7 +6106,7 @@
           <a:p>
             <a:fld id="{3FBB3453-B19B-49F8-8325-D30B26033753}" type="datetimeFigureOut">
               <a:rPr lang="en-US" smtClean="0"/>
-              <a:t>8/13/2018</a:t>
+              <a:t>8/14/2018</a:t>
             </a:fld>
             <a:endParaRPr lang="en-US"/>
           </a:p>
@@ -6307,7 +6363,7 @@
           <a:p>
             <a:fld id="{3FBB3453-B19B-49F8-8325-D30B26033753}" type="datetimeFigureOut">
               <a:rPr lang="en-US" smtClean="0"/>
-              <a:t>8/13/2018</a:t>
+              <a:t>8/14/2018</a:t>
             </a:fld>
             <a:endParaRPr lang="en-US"/>
           </a:p>
@@ -6539,7 +6595,7 @@
           <a:p>
             <a:fld id="{3FBB3453-B19B-49F8-8325-D30B26033753}" type="datetimeFigureOut">
               <a:rPr lang="en-US" smtClean="0"/>
-              <a:t>8/13/2018</a:t>
+              <a:t>8/14/2018</a:t>
             </a:fld>
             <a:endParaRPr lang="en-US"/>
           </a:p>
@@ -6932,7 +6988,7 @@
           <a:p>
             <a:fld id="{3FBB3453-B19B-49F8-8325-D30B26033753}" type="datetimeFigureOut">
               <a:rPr lang="en-US" smtClean="0"/>
-              <a:t>8/13/2018</a:t>
+              <a:t>8/14/2018</a:t>
             </a:fld>
             <a:endParaRPr lang="en-US"/>
           </a:p>
@@ -7050,7 +7106,7 @@
           <a:p>
             <a:fld id="{3FBB3453-B19B-49F8-8325-D30B26033753}" type="datetimeFigureOut">
               <a:rPr lang="en-US" smtClean="0"/>
-              <a:t>8/13/2018</a:t>
+              <a:t>8/14/2018</a:t>
             </a:fld>
             <a:endParaRPr lang="en-US"/>
           </a:p>
@@ -7145,7 +7201,7 @@
           <a:p>
             <a:fld id="{3FBB3453-B19B-49F8-8325-D30B26033753}" type="datetimeFigureOut">
               <a:rPr lang="en-US" smtClean="0"/>
-              <a:t>8/13/2018</a:t>
+              <a:t>8/14/2018</a:t>
             </a:fld>
             <a:endParaRPr lang="en-US"/>
           </a:p>
@@ -7418,7 +7474,7 @@
           <a:p>
             <a:fld id="{3FBB3453-B19B-49F8-8325-D30B26033753}" type="datetimeFigureOut">
               <a:rPr lang="en-US" smtClean="0"/>
-              <a:t>8/13/2018</a:t>
+              <a:t>8/14/2018</a:t>
             </a:fld>
             <a:endParaRPr lang="en-US"/>
           </a:p>
@@ -7699,7 +7755,7 @@
           <a:p>
             <a:fld id="{3FBB3453-B19B-49F8-8325-D30B26033753}" type="datetimeFigureOut">
               <a:rPr lang="en-US" smtClean="0"/>
-              <a:t>8/13/2018</a:t>
+              <a:t>8/14/2018</a:t>
             </a:fld>
             <a:endParaRPr lang="en-US"/>
           </a:p>
@@ -7939,7 +7995,7 @@
           <a:p>
             <a:fld id="{3FBB3453-B19B-49F8-8325-D30B26033753}" type="datetimeFigureOut">
               <a:rPr lang="en-US" smtClean="0"/>
-              <a:t>8/13/2018</a:t>
+              <a:t>8/14/2018</a:t>
             </a:fld>
             <a:endParaRPr lang="en-US"/>
           </a:p>
@@ -8726,27 +8782,7 @@
             </a:r>
             <a:r>
               <a:rPr lang="en-US" dirty="0" smtClean="0"/>
-              <a:t> Break </a:t>
-            </a:r>
-            <a:r>
-              <a:rPr lang="en-US" dirty="0" smtClean="0"/>
-              <a:t>Playfair encryption with </a:t>
-            </a:r>
-            <a:r>
-              <a:rPr lang="en-US" dirty="0" smtClean="0"/>
-              <a:t>narrowly-focused brute </a:t>
-            </a:r>
-            <a:r>
-              <a:rPr lang="en-US" dirty="0" smtClean="0"/>
-              <a:t>force </a:t>
-            </a:r>
-            <a:r>
-              <a:rPr lang="en-US" dirty="0" smtClean="0"/>
-              <a:t>method using an annealing </a:t>
-            </a:r>
-            <a:r>
-              <a:rPr lang="en-US" dirty="0" smtClean="0"/>
-              <a:t>algorithm</a:t>
+              <a:t> Break Playfair encryption with narrowly-focused brute force method using an annealing algorithm</a:t>
             </a:r>
           </a:p>
           <a:p>
@@ -8775,11 +8811,7 @@
             <a:pPr lvl="1"/>
             <a:r>
               <a:rPr lang="en-US" dirty="0" smtClean="0"/>
-              <a:t>High </a:t>
-            </a:r>
-            <a:r>
-              <a:rPr lang="en-US" dirty="0" smtClean="0"/>
-              <a:t>level explanation</a:t>
+              <a:t>High level explanation</a:t>
             </a:r>
           </a:p>
           <a:p>
@@ -9426,7 +9458,6 @@
               <a:rPr lang="en-US" dirty="0" smtClean="0"/>
               <a:t>algorithm”</a:t>
             </a:r>
-            <a:endParaRPr lang="en-US" dirty="0" smtClean="0"/>
           </a:p>
           <a:p>
             <a:r>
@@ -9455,11 +9486,7 @@
           <a:p>
             <a:r>
               <a:rPr lang="en-US" dirty="0" smtClean="0"/>
-              <a:t>If score is higher tha</a:t>
-            </a:r>
-            <a:r>
-              <a:rPr lang="en-US" dirty="0" smtClean="0"/>
-              <a:t>n previous, keep key</a:t>
+              <a:t>If score is higher than previous, keep key</a:t>
             </a:r>
           </a:p>
           <a:p>
@@ -9532,8 +9559,8 @@
           </a:p>
         </p:txBody>
       </p:sp>
-      <mc:AlternateContent xmlns:mc="http://schemas.openxmlformats.org/markup-compatibility/2006">
-        <mc:Choice xmlns:a14="http://schemas.microsoft.com/office/drawing/2010/main" Requires="a14">
+      <mc:AlternateContent xmlns:mc="http://schemas.openxmlformats.org/markup-compatibility/2006" xmlns:a14="http://schemas.microsoft.com/office/drawing/2010/main">
+        <mc:Choice Requires="a14">
           <p:sp>
             <p:nvSpPr>
               <p:cNvPr id="3" name="Content Placeholder 2"/>
@@ -9669,7 +9696,7 @@
             </p:txBody>
           </p:sp>
         </mc:Choice>
-        <mc:Fallback>
+        <mc:Fallback xmlns="">
           <p:sp>
             <p:nvSpPr>
               <p:cNvPr id="3" name="Content Placeholder 2"/>
@@ -9768,7 +9795,9 @@
         </p:nvSpPr>
         <p:spPr/>
         <p:txBody>
-          <a:bodyPr/>
+          <a:bodyPr>
+            <a:normAutofit lnSpcReduction="10000"/>
+          </a:bodyPr>
           <a:lstStyle/>
           <a:p>
             <a:r>
@@ -9809,7 +9838,6 @@
               <a:rPr lang="en-US" dirty="0" smtClean="0"/>
               <a:t>Adjusting key length</a:t>
             </a:r>
-            <a:endParaRPr lang="en-US" dirty="0" smtClean="0"/>
           </a:p>
           <a:p>
             <a:r>
@@ -9821,8 +9849,30 @@
             <a:pPr lvl="1"/>
             <a:r>
               <a:rPr lang="en-US" dirty="0" smtClean="0"/>
-              <a:t>90-minute test</a:t>
-            </a:r>
+              <a:t>90-minute </a:t>
+            </a:r>
+            <a:r>
+              <a:rPr lang="en-US" dirty="0" smtClean="0"/>
+              <a:t>test</a:t>
+            </a:r>
+          </a:p>
+          <a:p>
+            <a:r>
+              <a:rPr lang="en-US" dirty="0" smtClean="0"/>
+              <a:t>Incorrec</a:t>
+            </a:r>
+            <a:r>
+              <a:rPr lang="en-US" dirty="0" smtClean="0"/>
+              <a:t>t output</a:t>
+            </a:r>
+          </a:p>
+          <a:p>
+            <a:pPr lvl="1"/>
+            <a:r>
+              <a:rPr lang="en-US" dirty="0" smtClean="0"/>
+              <a:t>Logic error</a:t>
+            </a:r>
+            <a:endParaRPr lang="en-US" dirty="0" smtClean="0"/>
           </a:p>
           <a:p>
             <a:pPr marL="0" indent="0">
@@ -9920,34 +9970,7 @@
           <a:p>
             <a:r>
               <a:rPr lang="en-US" dirty="0" smtClean="0"/>
-              <a:t>Screenshots of output (long vs short) time</a:t>
-            </a:r>
-          </a:p>
-          <a:p>
-            <a:r>
-              <a:rPr lang="en-US" dirty="0" smtClean="0"/>
-              <a:t>Run a short version of console</a:t>
-            </a:r>
-          </a:p>
-          <a:p>
-            <a:pPr lvl="1"/>
-            <a:r>
-              <a:rPr lang="en-US" dirty="0" smtClean="0"/>
-              <a:t>Translation</a:t>
-            </a:r>
-          </a:p>
-          <a:p>
-            <a:pPr lvl="1"/>
-            <a:r>
-              <a:rPr lang="en-US" dirty="0" smtClean="0"/>
-              <a:t>Key</a:t>
-            </a:r>
-          </a:p>
-          <a:p>
-            <a:pPr lvl="1"/>
-            <a:r>
-              <a:rPr lang="en-US" dirty="0" smtClean="0"/>
-              <a:t>Fitness</a:t>
+              <a:t>Console demo</a:t>
             </a:r>
             <a:endParaRPr lang="en-US" dirty="0" smtClean="0"/>
           </a:p>
@@ -10034,11 +10057,7 @@
             </a:r>
             <a:r>
               <a:rPr lang="en-US" dirty="0" smtClean="0"/>
-              <a:t>hat we would have done </a:t>
-            </a:r>
-            <a:r>
-              <a:rPr lang="en-US" dirty="0" smtClean="0"/>
-              <a:t>different</a:t>
+              <a:t>hat we would have done different</a:t>
             </a:r>
           </a:p>
           <a:p>
@@ -10054,16 +10073,11 @@
               <a:rPr lang="en-US" dirty="0" smtClean="0"/>
               <a:t>Same algorithm, different encryption method</a:t>
             </a:r>
-            <a:endParaRPr lang="en-US" dirty="0" smtClean="0"/>
           </a:p>
           <a:p>
             <a:r>
               <a:rPr lang="en-US" dirty="0" smtClean="0"/>
-              <a:t>What technologies would </a:t>
-            </a:r>
-            <a:r>
-              <a:rPr lang="en-US" dirty="0" smtClean="0"/>
-              <a:t>help</a:t>
+              <a:t>What technologies would help</a:t>
             </a:r>
           </a:p>
           <a:p>
@@ -10078,11 +10092,7 @@
             <a:pPr lvl="1"/>
             <a:r>
               <a:rPr lang="en-US" dirty="0" smtClean="0"/>
-              <a:t>A.I. seems to be the choice </a:t>
-            </a:r>
-            <a:r>
-              <a:rPr lang="en-US" dirty="0" smtClean="0"/>
-              <a:t>here</a:t>
+              <a:t>A.I. seems to be the choice here</a:t>
             </a:r>
           </a:p>
           <a:p>
@@ -10097,7 +10107,6 @@
               <a:rPr lang="en-US" dirty="0" smtClean="0"/>
               <a:t>Playfair implementation, annealing algorithm, ease of Playfair use versus difficulty to crack, analysis of decryption, character frequency use</a:t>
             </a:r>
-            <a:endParaRPr lang="en-US" dirty="0" smtClean="0"/>
           </a:p>
         </p:txBody>
       </p:sp>
